--- a/Deep Learning Andrew Ng/Huynh_CNNW2_20190827.pptx
+++ b/Deep Learning Andrew Ng/Huynh_CNNW2_20190827.pptx
@@ -5,7 +5,7 @@
     <p:sldMasterId id="2147483660" r:id="rId1"/>
   </p:sldMasterIdLst>
   <p:notesMasterIdLst>
-    <p:notesMasterId r:id="rId10"/>
+    <p:notesMasterId r:id="rId14"/>
   </p:notesMasterIdLst>
   <p:sldIdLst>
     <p:sldId id="256" r:id="rId2"/>
@@ -16,6 +16,10 @@
     <p:sldId id="263" r:id="rId7"/>
     <p:sldId id="264" r:id="rId8"/>
     <p:sldId id="265" r:id="rId9"/>
+    <p:sldId id="266" r:id="rId10"/>
+    <p:sldId id="267" r:id="rId11"/>
+    <p:sldId id="268" r:id="rId12"/>
+    <p:sldId id="269" r:id="rId13"/>
   </p:sldIdLst>
   <p:sldSz cx="9144000" cy="6858000" type="screen4x3"/>
   <p:notesSz cx="6858000" cy="9144000"/>
@@ -204,7 +208,7 @@
           <a:p>
             <a:fld id="{233DC9DD-12B6-47F3-86D8-8DD92EE643FF}" type="datetimeFigureOut">
               <a:rPr lang="en-US" smtClean="0"/>
-              <a:t>8/28/2019</a:t>
+              <a:t>9/3/2019</a:t>
             </a:fld>
             <a:endParaRPr lang="en-US"/>
           </a:p>
@@ -4180,6 +4184,1571 @@
 </p:sld>
 </file>
 
+<file path=ppt/slides/slide10.xml><?xml version="1.0" encoding="utf-8"?>
+<p:sld xmlns:a="http://schemas.openxmlformats.org/drawingml/2006/main" xmlns:r="http://schemas.openxmlformats.org/officeDocument/2006/relationships" xmlns:p="http://schemas.openxmlformats.org/presentationml/2006/main">
+  <p:cSld>
+    <p:spTree>
+      <p:nvGrpSpPr>
+        <p:cNvPr id="1" name=""/>
+        <p:cNvGrpSpPr/>
+        <p:nvPr/>
+      </p:nvGrpSpPr>
+      <p:grpSpPr>
+        <a:xfrm>
+          <a:off x="0" y="0"/>
+          <a:ext cx="0" cy="0"/>
+          <a:chOff x="0" y="0"/>
+          <a:chExt cx="0" cy="0"/>
+        </a:xfrm>
+      </p:grpSpPr>
+      <p:sp>
+        <p:nvSpPr>
+          <p:cNvPr id="2" name="Title 1">
+            <a:extLst>
+              <a:ext uri="{FF2B5EF4-FFF2-40B4-BE49-F238E27FC236}">
+                <a16:creationId xmlns:a16="http://schemas.microsoft.com/office/drawing/2014/main" id="{F339D106-D45F-43EB-AAC9-88C0FD077A4C}"/>
+              </a:ext>
+            </a:extLst>
+          </p:cNvPr>
+          <p:cNvSpPr>
+            <a:spLocks noGrp="1"/>
+          </p:cNvSpPr>
+          <p:nvPr>
+            <p:ph type="title"/>
+          </p:nvPr>
+        </p:nvSpPr>
+        <p:spPr/>
+        <p:txBody>
+          <a:bodyPr/>
+          <a:lstStyle/>
+          <a:p>
+            <a:r>
+              <a:rPr lang="en-US"/>
+              <a:t>DenseNet</a:t>
+            </a:r>
+          </a:p>
+        </p:txBody>
+      </p:sp>
+      <p:sp>
+        <p:nvSpPr>
+          <p:cNvPr id="17" name="Slide Number Placeholder 16">
+            <a:extLst>
+              <a:ext uri="{FF2B5EF4-FFF2-40B4-BE49-F238E27FC236}">
+                <a16:creationId xmlns:a16="http://schemas.microsoft.com/office/drawing/2014/main" id="{9B5FAE9E-0F18-4400-8B62-4E1899875566}"/>
+              </a:ext>
+            </a:extLst>
+          </p:cNvPr>
+          <p:cNvSpPr>
+            <a:spLocks noGrp="1"/>
+          </p:cNvSpPr>
+          <p:nvPr>
+            <p:ph type="sldNum" sz="quarter" idx="10"/>
+          </p:nvPr>
+        </p:nvSpPr>
+        <p:spPr/>
+        <p:txBody>
+          <a:bodyPr/>
+          <a:lstStyle/>
+          <a:p>
+            <a:fld id="{4343900A-59A4-4D14-94AE-342E53929C97}" type="slidenum">
+              <a:rPr lang="en-US" smtClean="0"/>
+              <a:t>10</a:t>
+            </a:fld>
+            <a:endParaRPr lang="en-US"/>
+          </a:p>
+        </p:txBody>
+      </p:sp>
+      <p:sp>
+        <p:nvSpPr>
+          <p:cNvPr id="4" name="Rectangle 3">
+            <a:extLst>
+              <a:ext uri="{FF2B5EF4-FFF2-40B4-BE49-F238E27FC236}">
+                <a16:creationId xmlns:a16="http://schemas.microsoft.com/office/drawing/2014/main" id="{7F64C346-195D-47C8-8721-8DECD4343670}"/>
+              </a:ext>
+            </a:extLst>
+          </p:cNvPr>
+          <p:cNvSpPr/>
+          <p:nvPr/>
+        </p:nvSpPr>
+        <p:spPr>
+          <a:xfrm>
+            <a:off x="847344" y="6495389"/>
+            <a:ext cx="7687052" cy="369332"/>
+          </a:xfrm>
+          <a:prstGeom prst="rect">
+            <a:avLst/>
+          </a:prstGeom>
+        </p:spPr>
+        <p:txBody>
+          <a:bodyPr wrap="square">
+            <a:spAutoFit/>
+          </a:bodyPr>
+          <a:lstStyle/>
+          <a:p>
+            <a:r>
+              <a:rPr lang="en-US">
+                <a:hlinkClick r:id="rId2"/>
+              </a:rPr>
+              <a:t>https://towardsdatascience.com/review-densenet-image-classification-b6631a8ef803</a:t>
+            </a:r>
+            <a:endParaRPr lang="en-US"/>
+          </a:p>
+        </p:txBody>
+      </p:sp>
+      <p:sp>
+        <p:nvSpPr>
+          <p:cNvPr id="11" name="Content Placeholder 2">
+            <a:extLst>
+              <a:ext uri="{FF2B5EF4-FFF2-40B4-BE49-F238E27FC236}">
+                <a16:creationId xmlns:a16="http://schemas.microsoft.com/office/drawing/2014/main" id="{BCFCBC5F-081E-4685-A8C9-1388C1DE3AB7}"/>
+              </a:ext>
+            </a:extLst>
+          </p:cNvPr>
+          <p:cNvSpPr txBox="1">
+            <a:spLocks/>
+          </p:cNvSpPr>
+          <p:nvPr/>
+        </p:nvSpPr>
+        <p:spPr bwMode="auto">
+          <a:xfrm>
+            <a:off x="399942" y="1035761"/>
+            <a:ext cx="7902809" cy="369332"/>
+          </a:xfrm>
+          <a:prstGeom prst="rect">
+            <a:avLst/>
+          </a:prstGeom>
+          <a:noFill/>
+          <a:ln w="9525">
+            <a:noFill/>
+            <a:miter lim="800000"/>
+            <a:headEnd/>
+            <a:tailEnd/>
+          </a:ln>
+        </p:spPr>
+        <p:txBody>
+          <a:bodyPr vert="horz" wrap="square" lIns="91440" tIns="45720" rIns="91440" bIns="45720" numCol="1" anchor="t" anchorCtr="0" compatLnSpc="1">
+            <a:prstTxWarp prst="textNoShape">
+              <a:avLst/>
+            </a:prstTxWarp>
+          </a:bodyPr>
+          <a:lstStyle>
+            <a:lvl1pPr marL="342900" indent="-342900" algn="l" rtl="0" eaLnBrk="1" fontAlgn="base" latinLnBrk="1" hangingPunct="1">
+              <a:spcBef>
+                <a:spcPct val="0"/>
+              </a:spcBef>
+              <a:spcAft>
+                <a:spcPct val="0"/>
+              </a:spcAft>
+              <a:buClr>
+                <a:schemeClr val="folHlink"/>
+              </a:buClr>
+              <a:buSzPct val="90000"/>
+              <a:buFont typeface="Wingdings" pitchFamily="2" charset="2"/>
+              <a:buBlip>
+                <a:blip r:embed="rId3"/>
+              </a:buBlip>
+              <a:defRPr kumimoji="1" sz="2200">
+                <a:solidFill>
+                  <a:schemeClr val="tx1"/>
+                </a:solidFill>
+                <a:latin typeface="+mn-lt"/>
+                <a:ea typeface="+mn-ea"/>
+                <a:cs typeface="+mn-cs"/>
+              </a:defRPr>
+            </a:lvl1pPr>
+            <a:lvl2pPr marL="742950" indent="-285750" algn="l" rtl="0" eaLnBrk="1" fontAlgn="base" latinLnBrk="1" hangingPunct="1">
+              <a:spcBef>
+                <a:spcPct val="0"/>
+              </a:spcBef>
+              <a:spcAft>
+                <a:spcPct val="0"/>
+              </a:spcAft>
+              <a:buClr>
+                <a:schemeClr val="hlink"/>
+              </a:buClr>
+              <a:buSzPct val="90000"/>
+              <a:buFont typeface="Wingdings" pitchFamily="2" charset="2"/>
+              <a:buBlip>
+                <a:blip r:embed="rId4"/>
+              </a:buBlip>
+              <a:defRPr kumimoji="1" sz="2000">
+                <a:solidFill>
+                  <a:schemeClr val="tx1"/>
+                </a:solidFill>
+                <a:latin typeface="+mn-lt"/>
+                <a:ea typeface="+mn-ea"/>
+              </a:defRPr>
+            </a:lvl2pPr>
+            <a:lvl3pPr marL="1143000" indent="-228600" algn="l" rtl="0" eaLnBrk="1" fontAlgn="base" latinLnBrk="1" hangingPunct="1">
+              <a:spcBef>
+                <a:spcPct val="0"/>
+              </a:spcBef>
+              <a:spcAft>
+                <a:spcPct val="0"/>
+              </a:spcAft>
+              <a:buClr>
+                <a:schemeClr val="accent2"/>
+              </a:buClr>
+              <a:buSzPct val="80000"/>
+              <a:buFont typeface="Wingdings" pitchFamily="2" charset="2"/>
+              <a:buBlip>
+                <a:blip r:embed="rId5"/>
+              </a:buBlip>
+              <a:defRPr kumimoji="1">
+                <a:solidFill>
+                  <a:schemeClr val="tx1"/>
+                </a:solidFill>
+                <a:latin typeface="+mn-lt"/>
+                <a:ea typeface="+mn-ea"/>
+              </a:defRPr>
+            </a:lvl3pPr>
+            <a:lvl4pPr marL="1600200" indent="-228600" algn="l" rtl="0" eaLnBrk="1" fontAlgn="base" latinLnBrk="1" hangingPunct="1">
+              <a:spcBef>
+                <a:spcPct val="20000"/>
+              </a:spcBef>
+              <a:spcAft>
+                <a:spcPct val="0"/>
+              </a:spcAft>
+              <a:buClr>
+                <a:schemeClr val="tx2"/>
+              </a:buClr>
+              <a:buSzPct val="55000"/>
+              <a:buFont typeface="Wingdings" pitchFamily="2" charset="2"/>
+              <a:buChar char="n"/>
+              <a:defRPr kumimoji="1" sz="1600">
+                <a:solidFill>
+                  <a:schemeClr val="tx1"/>
+                </a:solidFill>
+                <a:latin typeface="+mn-lt"/>
+                <a:ea typeface="HY견고딕" pitchFamily="18" charset="-127"/>
+              </a:defRPr>
+            </a:lvl4pPr>
+            <a:lvl5pPr marL="2057400" indent="-228600" algn="l" rtl="0" eaLnBrk="1" fontAlgn="base" latinLnBrk="1" hangingPunct="1">
+              <a:spcBef>
+                <a:spcPct val="20000"/>
+              </a:spcBef>
+              <a:spcAft>
+                <a:spcPct val="0"/>
+              </a:spcAft>
+              <a:buClr>
+                <a:schemeClr val="accent1"/>
+              </a:buClr>
+              <a:buSzPct val="50000"/>
+              <a:buFont typeface="Wingdings" pitchFamily="2" charset="2"/>
+              <a:buChar char="n"/>
+              <a:defRPr kumimoji="1" sz="1600">
+                <a:solidFill>
+                  <a:schemeClr val="tx1"/>
+                </a:solidFill>
+                <a:latin typeface="+mn-lt"/>
+                <a:ea typeface="HY견고딕" pitchFamily="18" charset="-127"/>
+              </a:defRPr>
+            </a:lvl5pPr>
+            <a:lvl6pPr marL="2514600" indent="-228600" algn="l" rtl="0" eaLnBrk="1" fontAlgn="base" latinLnBrk="1" hangingPunct="1">
+              <a:spcBef>
+                <a:spcPct val="20000"/>
+              </a:spcBef>
+              <a:spcAft>
+                <a:spcPct val="0"/>
+              </a:spcAft>
+              <a:buClr>
+                <a:schemeClr val="accent1"/>
+              </a:buClr>
+              <a:buSzPct val="50000"/>
+              <a:buFont typeface="Wingdings" pitchFamily="2" charset="2"/>
+              <a:buChar char="n"/>
+              <a:defRPr kumimoji="1" sz="1600">
+                <a:solidFill>
+                  <a:schemeClr val="tx1"/>
+                </a:solidFill>
+                <a:latin typeface="Verdana" pitchFamily="34" charset="0"/>
+                <a:ea typeface="HY견고딕" pitchFamily="18" charset="-127"/>
+              </a:defRPr>
+            </a:lvl6pPr>
+            <a:lvl7pPr marL="2971800" indent="-228600" algn="l" rtl="0" eaLnBrk="1" fontAlgn="base" latinLnBrk="1" hangingPunct="1">
+              <a:spcBef>
+                <a:spcPct val="20000"/>
+              </a:spcBef>
+              <a:spcAft>
+                <a:spcPct val="0"/>
+              </a:spcAft>
+              <a:buClr>
+                <a:schemeClr val="accent1"/>
+              </a:buClr>
+              <a:buSzPct val="50000"/>
+              <a:buFont typeface="Wingdings" pitchFamily="2" charset="2"/>
+              <a:buChar char="n"/>
+              <a:defRPr kumimoji="1" sz="1600">
+                <a:solidFill>
+                  <a:schemeClr val="tx1"/>
+                </a:solidFill>
+                <a:latin typeface="Verdana" pitchFamily="34" charset="0"/>
+                <a:ea typeface="HY견고딕" pitchFamily="18" charset="-127"/>
+              </a:defRPr>
+            </a:lvl7pPr>
+            <a:lvl8pPr marL="3429000" indent="-228600" algn="l" rtl="0" eaLnBrk="1" fontAlgn="base" latinLnBrk="1" hangingPunct="1">
+              <a:spcBef>
+                <a:spcPct val="20000"/>
+              </a:spcBef>
+              <a:spcAft>
+                <a:spcPct val="0"/>
+              </a:spcAft>
+              <a:buClr>
+                <a:schemeClr val="accent1"/>
+              </a:buClr>
+              <a:buSzPct val="50000"/>
+              <a:buFont typeface="Wingdings" pitchFamily="2" charset="2"/>
+              <a:buChar char="n"/>
+              <a:defRPr kumimoji="1" sz="1600">
+                <a:solidFill>
+                  <a:schemeClr val="tx1"/>
+                </a:solidFill>
+                <a:latin typeface="Verdana" pitchFamily="34" charset="0"/>
+                <a:ea typeface="HY견고딕" pitchFamily="18" charset="-127"/>
+              </a:defRPr>
+            </a:lvl8pPr>
+            <a:lvl9pPr marL="3886200" indent="-228600" algn="l" rtl="0" eaLnBrk="1" fontAlgn="base" latinLnBrk="1" hangingPunct="1">
+              <a:spcBef>
+                <a:spcPct val="20000"/>
+              </a:spcBef>
+              <a:spcAft>
+                <a:spcPct val="0"/>
+              </a:spcAft>
+              <a:buClr>
+                <a:schemeClr val="accent1"/>
+              </a:buClr>
+              <a:buSzPct val="50000"/>
+              <a:buFont typeface="Wingdings" pitchFamily="2" charset="2"/>
+              <a:buChar char="n"/>
+              <a:defRPr kumimoji="1" sz="1600">
+                <a:solidFill>
+                  <a:schemeClr val="tx1"/>
+                </a:solidFill>
+                <a:latin typeface="Verdana" pitchFamily="34" charset="0"/>
+                <a:ea typeface="HY견고딕" pitchFamily="18" charset="-127"/>
+              </a:defRPr>
+            </a:lvl9pPr>
+          </a:lstStyle>
+          <a:p>
+            <a:r>
+              <a:rPr lang="en-US" sz="2000" kern="0"/>
+              <a:t>Kết nối nhiều Dense block bằng transition Layers:</a:t>
+            </a:r>
+          </a:p>
+          <a:p>
+            <a:endParaRPr lang="en-US" sz="2000" kern="0"/>
+          </a:p>
+          <a:p>
+            <a:endParaRPr lang="en-US" sz="2000" kern="0"/>
+          </a:p>
+          <a:p>
+            <a:endParaRPr lang="en-US" sz="2000" kern="0"/>
+          </a:p>
+          <a:p>
+            <a:endParaRPr lang="en-US" sz="2000" kern="0"/>
+          </a:p>
+          <a:p>
+            <a:endParaRPr lang="en-US" sz="2000" kern="0"/>
+          </a:p>
+          <a:p>
+            <a:endParaRPr lang="en-US" sz="2000" kern="0"/>
+          </a:p>
+          <a:p>
+            <a:endParaRPr lang="en-US" sz="2000" kern="0"/>
+          </a:p>
+          <a:p>
+            <a:endParaRPr lang="en-US" sz="2000" kern="0"/>
+          </a:p>
+          <a:p>
+            <a:endParaRPr lang="en-US" sz="2000" kern="0"/>
+          </a:p>
+          <a:p>
+            <a:pPr lvl="1"/>
+            <a:r>
+              <a:rPr lang="en-US" sz="1600" kern="0"/>
+              <a:t>Transition layers là lớp conv 1x1 giúp giảm chiều dữ liệu và kết hợp average Pooling 2x2</a:t>
+            </a:r>
+          </a:p>
+          <a:p>
+            <a:pPr lvl="1"/>
+            <a:r>
+              <a:rPr lang="en-US" sz="1600" kern="0"/>
+              <a:t>Nhận xét:</a:t>
+            </a:r>
+          </a:p>
+          <a:p>
+            <a:pPr marL="457200" lvl="1" indent="0">
+              <a:buNone/>
+            </a:pPr>
+            <a:r>
+              <a:rPr lang="en-US" sz="1600" kern="0"/>
+              <a:t>	. Do qua mỗi transition layer số chiều dữ liệu đ</a:t>
+            </a:r>
+            <a:r>
+              <a:rPr lang="vi-VN" sz="1600" kern="0"/>
+              <a:t>ư</a:t>
+            </a:r>
+            <a:r>
+              <a:rPr lang="en-US" sz="1600" kern="0"/>
+              <a:t>ợc giảm đáng kể nên giảm khối l</a:t>
+            </a:r>
+            <a:r>
+              <a:rPr lang="vi-VN" sz="1600" kern="0"/>
+              <a:t>ư</a:t>
+            </a:r>
+            <a:r>
+              <a:rPr lang="en-US" sz="1600" kern="0"/>
+              <a:t>ợng tính 	toán tổng thể so với ResNet</a:t>
+            </a:r>
+          </a:p>
+          <a:p>
+            <a:pPr marL="457200" lvl="1" indent="0">
+              <a:buNone/>
+            </a:pPr>
+            <a:r>
+              <a:rPr lang="en-US" sz="1600" kern="0"/>
+              <a:t>	. DenseNet phân loại dựa trên tất cả các mức độ phức tạp (gộp tất cả các layer tr</a:t>
+            </a:r>
+            <a:r>
+              <a:rPr lang="vi-VN" sz="1600" kern="0"/>
+              <a:t>ư</a:t>
+            </a:r>
+            <a:r>
+              <a:rPr lang="en-US" sz="1600" kern="0"/>
+              <a:t>ớc) nên 	phân loại chính xác h</a:t>
+            </a:r>
+            <a:r>
+              <a:rPr lang="vi-VN" sz="1600" kern="0"/>
+              <a:t>ơ</a:t>
+            </a:r>
+            <a:r>
+              <a:rPr lang="en-US" sz="1600" kern="0"/>
+              <a:t>n và cần ít dữ liệu đào tạo h</a:t>
+            </a:r>
+            <a:r>
+              <a:rPr lang="vi-VN" sz="1600" kern="0"/>
+              <a:t>ơ</a:t>
+            </a:r>
+            <a:r>
+              <a:rPr lang="en-US" sz="1600" kern="0"/>
+              <a:t>n.</a:t>
+            </a:r>
+          </a:p>
+          <a:p>
+            <a:pPr marL="457200" lvl="1" indent="0">
+              <a:buNone/>
+            </a:pPr>
+            <a:endParaRPr lang="en-US" sz="1400" kern="0"/>
+          </a:p>
+        </p:txBody>
+      </p:sp>
+      <p:pic>
+        <p:nvPicPr>
+          <p:cNvPr id="3" name="Picture 2">
+            <a:extLst>
+              <a:ext uri="{FF2B5EF4-FFF2-40B4-BE49-F238E27FC236}">
+                <a16:creationId xmlns:a16="http://schemas.microsoft.com/office/drawing/2014/main" id="{AEE078AE-E19D-4EA9-B81F-2F4A1139791D}"/>
+              </a:ext>
+            </a:extLst>
+          </p:cNvPr>
+          <p:cNvPicPr>
+            <a:picLocks noChangeAspect="1"/>
+          </p:cNvPicPr>
+          <p:nvPr/>
+        </p:nvPicPr>
+        <p:blipFill>
+          <a:blip r:embed="rId6"/>
+          <a:stretch>
+            <a:fillRect/>
+          </a:stretch>
+        </p:blipFill>
+        <p:spPr>
+          <a:xfrm>
+            <a:off x="1404286" y="1673447"/>
+            <a:ext cx="6573167" cy="2276793"/>
+          </a:xfrm>
+          <a:prstGeom prst="rect">
+            <a:avLst/>
+          </a:prstGeom>
+        </p:spPr>
+      </p:pic>
+    </p:spTree>
+    <p:extLst>
+      <p:ext uri="{BB962C8B-B14F-4D97-AF65-F5344CB8AC3E}">
+        <p14:creationId xmlns:p14="http://schemas.microsoft.com/office/powerpoint/2010/main" val="1982569776"/>
+      </p:ext>
+    </p:extLst>
+  </p:cSld>
+  <p:clrMapOvr>
+    <a:masterClrMapping/>
+  </p:clrMapOvr>
+</p:sld>
+</file>
+
+<file path=ppt/slides/slide11.xml><?xml version="1.0" encoding="utf-8"?>
+<p:sld xmlns:a="http://schemas.openxmlformats.org/drawingml/2006/main" xmlns:r="http://schemas.openxmlformats.org/officeDocument/2006/relationships" xmlns:p="http://schemas.openxmlformats.org/presentationml/2006/main">
+  <p:cSld>
+    <p:spTree>
+      <p:nvGrpSpPr>
+        <p:cNvPr id="1" name=""/>
+        <p:cNvGrpSpPr/>
+        <p:nvPr/>
+      </p:nvGrpSpPr>
+      <p:grpSpPr>
+        <a:xfrm>
+          <a:off x="0" y="0"/>
+          <a:ext cx="0" cy="0"/>
+          <a:chOff x="0" y="0"/>
+          <a:chExt cx="0" cy="0"/>
+        </a:xfrm>
+      </p:grpSpPr>
+      <p:sp>
+        <p:nvSpPr>
+          <p:cNvPr id="2" name="Title 1">
+            <a:extLst>
+              <a:ext uri="{FF2B5EF4-FFF2-40B4-BE49-F238E27FC236}">
+                <a16:creationId xmlns:a16="http://schemas.microsoft.com/office/drawing/2014/main" id="{F339D106-D45F-43EB-AAC9-88C0FD077A4C}"/>
+              </a:ext>
+            </a:extLst>
+          </p:cNvPr>
+          <p:cNvSpPr>
+            <a:spLocks noGrp="1"/>
+          </p:cNvSpPr>
+          <p:nvPr>
+            <p:ph type="title"/>
+          </p:nvPr>
+        </p:nvSpPr>
+        <p:spPr/>
+        <p:txBody>
+          <a:bodyPr/>
+          <a:lstStyle/>
+          <a:p>
+            <a:r>
+              <a:rPr lang="en-US"/>
+              <a:t>U-Net</a:t>
+            </a:r>
+          </a:p>
+        </p:txBody>
+      </p:sp>
+      <p:sp>
+        <p:nvSpPr>
+          <p:cNvPr id="17" name="Slide Number Placeholder 16">
+            <a:extLst>
+              <a:ext uri="{FF2B5EF4-FFF2-40B4-BE49-F238E27FC236}">
+                <a16:creationId xmlns:a16="http://schemas.microsoft.com/office/drawing/2014/main" id="{9B5FAE9E-0F18-4400-8B62-4E1899875566}"/>
+              </a:ext>
+            </a:extLst>
+          </p:cNvPr>
+          <p:cNvSpPr>
+            <a:spLocks noGrp="1"/>
+          </p:cNvSpPr>
+          <p:nvPr>
+            <p:ph type="sldNum" sz="quarter" idx="10"/>
+          </p:nvPr>
+        </p:nvSpPr>
+        <p:spPr/>
+        <p:txBody>
+          <a:bodyPr/>
+          <a:lstStyle/>
+          <a:p>
+            <a:fld id="{4343900A-59A4-4D14-94AE-342E53929C97}" type="slidenum">
+              <a:rPr lang="en-US" smtClean="0"/>
+              <a:t>11</a:t>
+            </a:fld>
+            <a:endParaRPr lang="en-US"/>
+          </a:p>
+        </p:txBody>
+      </p:sp>
+      <p:sp>
+        <p:nvSpPr>
+          <p:cNvPr id="11" name="Content Placeholder 2">
+            <a:extLst>
+              <a:ext uri="{FF2B5EF4-FFF2-40B4-BE49-F238E27FC236}">
+                <a16:creationId xmlns:a16="http://schemas.microsoft.com/office/drawing/2014/main" id="{BCFCBC5F-081E-4685-A8C9-1388C1DE3AB7}"/>
+              </a:ext>
+            </a:extLst>
+          </p:cNvPr>
+          <p:cNvSpPr txBox="1">
+            <a:spLocks/>
+          </p:cNvSpPr>
+          <p:nvPr/>
+        </p:nvSpPr>
+        <p:spPr bwMode="auto">
+          <a:xfrm>
+            <a:off x="399942" y="1035760"/>
+            <a:ext cx="8353914" cy="5206543"/>
+          </a:xfrm>
+          <a:prstGeom prst="rect">
+            <a:avLst/>
+          </a:prstGeom>
+          <a:noFill/>
+          <a:ln w="9525">
+            <a:noFill/>
+            <a:miter lim="800000"/>
+            <a:headEnd/>
+            <a:tailEnd/>
+          </a:ln>
+        </p:spPr>
+        <p:txBody>
+          <a:bodyPr vert="horz" wrap="square" lIns="91440" tIns="45720" rIns="91440" bIns="45720" numCol="1" anchor="t" anchorCtr="0" compatLnSpc="1">
+            <a:prstTxWarp prst="textNoShape">
+              <a:avLst/>
+            </a:prstTxWarp>
+          </a:bodyPr>
+          <a:lstStyle>
+            <a:lvl1pPr marL="342900" indent="-342900" algn="l" rtl="0" eaLnBrk="1" fontAlgn="base" latinLnBrk="1" hangingPunct="1">
+              <a:spcBef>
+                <a:spcPct val="0"/>
+              </a:spcBef>
+              <a:spcAft>
+                <a:spcPct val="0"/>
+              </a:spcAft>
+              <a:buClr>
+                <a:schemeClr val="folHlink"/>
+              </a:buClr>
+              <a:buSzPct val="90000"/>
+              <a:buFont typeface="Wingdings" pitchFamily="2" charset="2"/>
+              <a:buBlip>
+                <a:blip r:embed="rId2"/>
+              </a:buBlip>
+              <a:defRPr kumimoji="1" sz="2200">
+                <a:solidFill>
+                  <a:schemeClr val="tx1"/>
+                </a:solidFill>
+                <a:latin typeface="+mn-lt"/>
+                <a:ea typeface="+mn-ea"/>
+                <a:cs typeface="+mn-cs"/>
+              </a:defRPr>
+            </a:lvl1pPr>
+            <a:lvl2pPr marL="742950" indent="-285750" algn="l" rtl="0" eaLnBrk="1" fontAlgn="base" latinLnBrk="1" hangingPunct="1">
+              <a:spcBef>
+                <a:spcPct val="0"/>
+              </a:spcBef>
+              <a:spcAft>
+                <a:spcPct val="0"/>
+              </a:spcAft>
+              <a:buClr>
+                <a:schemeClr val="hlink"/>
+              </a:buClr>
+              <a:buSzPct val="90000"/>
+              <a:buFont typeface="Wingdings" pitchFamily="2" charset="2"/>
+              <a:buBlip>
+                <a:blip r:embed="rId3"/>
+              </a:buBlip>
+              <a:defRPr kumimoji="1" sz="2000">
+                <a:solidFill>
+                  <a:schemeClr val="tx1"/>
+                </a:solidFill>
+                <a:latin typeface="+mn-lt"/>
+                <a:ea typeface="+mn-ea"/>
+              </a:defRPr>
+            </a:lvl2pPr>
+            <a:lvl3pPr marL="1143000" indent="-228600" algn="l" rtl="0" eaLnBrk="1" fontAlgn="base" latinLnBrk="1" hangingPunct="1">
+              <a:spcBef>
+                <a:spcPct val="0"/>
+              </a:spcBef>
+              <a:spcAft>
+                <a:spcPct val="0"/>
+              </a:spcAft>
+              <a:buClr>
+                <a:schemeClr val="accent2"/>
+              </a:buClr>
+              <a:buSzPct val="80000"/>
+              <a:buFont typeface="Wingdings" pitchFamily="2" charset="2"/>
+              <a:buBlip>
+                <a:blip r:embed="rId4"/>
+              </a:buBlip>
+              <a:defRPr kumimoji="1">
+                <a:solidFill>
+                  <a:schemeClr val="tx1"/>
+                </a:solidFill>
+                <a:latin typeface="+mn-lt"/>
+                <a:ea typeface="+mn-ea"/>
+              </a:defRPr>
+            </a:lvl3pPr>
+            <a:lvl4pPr marL="1600200" indent="-228600" algn="l" rtl="0" eaLnBrk="1" fontAlgn="base" latinLnBrk="1" hangingPunct="1">
+              <a:spcBef>
+                <a:spcPct val="20000"/>
+              </a:spcBef>
+              <a:spcAft>
+                <a:spcPct val="0"/>
+              </a:spcAft>
+              <a:buClr>
+                <a:schemeClr val="tx2"/>
+              </a:buClr>
+              <a:buSzPct val="55000"/>
+              <a:buFont typeface="Wingdings" pitchFamily="2" charset="2"/>
+              <a:buChar char="n"/>
+              <a:defRPr kumimoji="1" sz="1600">
+                <a:solidFill>
+                  <a:schemeClr val="tx1"/>
+                </a:solidFill>
+                <a:latin typeface="+mn-lt"/>
+                <a:ea typeface="HY견고딕" pitchFamily="18" charset="-127"/>
+              </a:defRPr>
+            </a:lvl4pPr>
+            <a:lvl5pPr marL="2057400" indent="-228600" algn="l" rtl="0" eaLnBrk="1" fontAlgn="base" latinLnBrk="1" hangingPunct="1">
+              <a:spcBef>
+                <a:spcPct val="20000"/>
+              </a:spcBef>
+              <a:spcAft>
+                <a:spcPct val="0"/>
+              </a:spcAft>
+              <a:buClr>
+                <a:schemeClr val="accent1"/>
+              </a:buClr>
+              <a:buSzPct val="50000"/>
+              <a:buFont typeface="Wingdings" pitchFamily="2" charset="2"/>
+              <a:buChar char="n"/>
+              <a:defRPr kumimoji="1" sz="1600">
+                <a:solidFill>
+                  <a:schemeClr val="tx1"/>
+                </a:solidFill>
+                <a:latin typeface="+mn-lt"/>
+                <a:ea typeface="HY견고딕" pitchFamily="18" charset="-127"/>
+              </a:defRPr>
+            </a:lvl5pPr>
+            <a:lvl6pPr marL="2514600" indent="-228600" algn="l" rtl="0" eaLnBrk="1" fontAlgn="base" latinLnBrk="1" hangingPunct="1">
+              <a:spcBef>
+                <a:spcPct val="20000"/>
+              </a:spcBef>
+              <a:spcAft>
+                <a:spcPct val="0"/>
+              </a:spcAft>
+              <a:buClr>
+                <a:schemeClr val="accent1"/>
+              </a:buClr>
+              <a:buSzPct val="50000"/>
+              <a:buFont typeface="Wingdings" pitchFamily="2" charset="2"/>
+              <a:buChar char="n"/>
+              <a:defRPr kumimoji="1" sz="1600">
+                <a:solidFill>
+                  <a:schemeClr val="tx1"/>
+                </a:solidFill>
+                <a:latin typeface="Verdana" pitchFamily="34" charset="0"/>
+                <a:ea typeface="HY견고딕" pitchFamily="18" charset="-127"/>
+              </a:defRPr>
+            </a:lvl6pPr>
+            <a:lvl7pPr marL="2971800" indent="-228600" algn="l" rtl="0" eaLnBrk="1" fontAlgn="base" latinLnBrk="1" hangingPunct="1">
+              <a:spcBef>
+                <a:spcPct val="20000"/>
+              </a:spcBef>
+              <a:spcAft>
+                <a:spcPct val="0"/>
+              </a:spcAft>
+              <a:buClr>
+                <a:schemeClr val="accent1"/>
+              </a:buClr>
+              <a:buSzPct val="50000"/>
+              <a:buFont typeface="Wingdings" pitchFamily="2" charset="2"/>
+              <a:buChar char="n"/>
+              <a:defRPr kumimoji="1" sz="1600">
+                <a:solidFill>
+                  <a:schemeClr val="tx1"/>
+                </a:solidFill>
+                <a:latin typeface="Verdana" pitchFamily="34" charset="0"/>
+                <a:ea typeface="HY견고딕" pitchFamily="18" charset="-127"/>
+              </a:defRPr>
+            </a:lvl7pPr>
+            <a:lvl8pPr marL="3429000" indent="-228600" algn="l" rtl="0" eaLnBrk="1" fontAlgn="base" latinLnBrk="1" hangingPunct="1">
+              <a:spcBef>
+                <a:spcPct val="20000"/>
+              </a:spcBef>
+              <a:spcAft>
+                <a:spcPct val="0"/>
+              </a:spcAft>
+              <a:buClr>
+                <a:schemeClr val="accent1"/>
+              </a:buClr>
+              <a:buSzPct val="50000"/>
+              <a:buFont typeface="Wingdings" pitchFamily="2" charset="2"/>
+              <a:buChar char="n"/>
+              <a:defRPr kumimoji="1" sz="1600">
+                <a:solidFill>
+                  <a:schemeClr val="tx1"/>
+                </a:solidFill>
+                <a:latin typeface="Verdana" pitchFamily="34" charset="0"/>
+                <a:ea typeface="HY견고딕" pitchFamily="18" charset="-127"/>
+              </a:defRPr>
+            </a:lvl8pPr>
+            <a:lvl9pPr marL="3886200" indent="-228600" algn="l" rtl="0" eaLnBrk="1" fontAlgn="base" latinLnBrk="1" hangingPunct="1">
+              <a:spcBef>
+                <a:spcPct val="20000"/>
+              </a:spcBef>
+              <a:spcAft>
+                <a:spcPct val="0"/>
+              </a:spcAft>
+              <a:buClr>
+                <a:schemeClr val="accent1"/>
+              </a:buClr>
+              <a:buSzPct val="50000"/>
+              <a:buFont typeface="Wingdings" pitchFamily="2" charset="2"/>
+              <a:buChar char="n"/>
+              <a:defRPr kumimoji="1" sz="1600">
+                <a:solidFill>
+                  <a:schemeClr val="tx1"/>
+                </a:solidFill>
+                <a:latin typeface="Verdana" pitchFamily="34" charset="0"/>
+                <a:ea typeface="HY견고딕" pitchFamily="18" charset="-127"/>
+              </a:defRPr>
+            </a:lvl9pPr>
+          </a:lstStyle>
+          <a:p>
+            <a:r>
+              <a:rPr lang="en-US" sz="2000" kern="0"/>
+              <a:t>Unet đ</a:t>
+            </a:r>
+            <a:r>
+              <a:rPr lang="vi-VN" sz="2000" kern="0"/>
+              <a:t>ư</a:t>
+            </a:r>
+            <a:r>
+              <a:rPr lang="en-US" sz="2000" kern="0"/>
+              <a:t>ợc phát triển bởi </a:t>
+            </a:r>
+            <a:r>
+              <a:rPr lang="en-US"/>
+              <a:t>Olaf Ronneberger cho phân đoạn hình ảnh ytế.</a:t>
+            </a:r>
+          </a:p>
+          <a:p>
+            <a:r>
+              <a:rPr lang="en-US" sz="2000" kern="0"/>
+              <a:t>Kiến trúc mạng U-Net:</a:t>
+            </a:r>
+          </a:p>
+        </p:txBody>
+      </p:sp>
+      <p:pic>
+        <p:nvPicPr>
+          <p:cNvPr id="5" name="Picture 4">
+            <a:extLst>
+              <a:ext uri="{FF2B5EF4-FFF2-40B4-BE49-F238E27FC236}">
+                <a16:creationId xmlns:a16="http://schemas.microsoft.com/office/drawing/2014/main" id="{E82433FF-142C-4791-9E4B-5C7E4195E533}"/>
+              </a:ext>
+            </a:extLst>
+          </p:cNvPr>
+          <p:cNvPicPr>
+            <a:picLocks noChangeAspect="1"/>
+          </p:cNvPicPr>
+          <p:nvPr/>
+        </p:nvPicPr>
+        <p:blipFill>
+          <a:blip r:embed="rId5"/>
+          <a:stretch>
+            <a:fillRect/>
+          </a:stretch>
+        </p:blipFill>
+        <p:spPr>
+          <a:xfrm>
+            <a:off x="4121546" y="1568893"/>
+            <a:ext cx="4461622" cy="1966787"/>
+          </a:xfrm>
+          <a:prstGeom prst="rect">
+            <a:avLst/>
+          </a:prstGeom>
+        </p:spPr>
+      </p:pic>
+      <p:pic>
+        <p:nvPicPr>
+          <p:cNvPr id="6" name="Picture 5">
+            <a:extLst>
+              <a:ext uri="{FF2B5EF4-FFF2-40B4-BE49-F238E27FC236}">
+                <a16:creationId xmlns:a16="http://schemas.microsoft.com/office/drawing/2014/main" id="{6A51BE04-1FDA-4D0E-B4BC-E42C86E1FAA3}"/>
+              </a:ext>
+            </a:extLst>
+          </p:cNvPr>
+          <p:cNvPicPr>
+            <a:picLocks noChangeAspect="1"/>
+          </p:cNvPicPr>
+          <p:nvPr/>
+        </p:nvPicPr>
+        <p:blipFill>
+          <a:blip r:embed="rId6"/>
+          <a:stretch>
+            <a:fillRect/>
+          </a:stretch>
+        </p:blipFill>
+        <p:spPr>
+          <a:xfrm>
+            <a:off x="4149140" y="3503725"/>
+            <a:ext cx="4594917" cy="1526221"/>
+          </a:xfrm>
+          <a:prstGeom prst="rect">
+            <a:avLst/>
+          </a:prstGeom>
+        </p:spPr>
+      </p:pic>
+      <p:sp>
+        <p:nvSpPr>
+          <p:cNvPr id="7" name="TextBox 6">
+            <a:extLst>
+              <a:ext uri="{FF2B5EF4-FFF2-40B4-BE49-F238E27FC236}">
+                <a16:creationId xmlns:a16="http://schemas.microsoft.com/office/drawing/2014/main" id="{B44F6350-23FF-460B-BC03-6B1B6A58E5C4}"/>
+              </a:ext>
+            </a:extLst>
+          </p:cNvPr>
+          <p:cNvSpPr txBox="1"/>
+          <p:nvPr/>
+        </p:nvSpPr>
+        <p:spPr>
+          <a:xfrm>
+            <a:off x="825012" y="1980811"/>
+            <a:ext cx="2804160" cy="646331"/>
+          </a:xfrm>
+          <a:prstGeom prst="rect">
+            <a:avLst/>
+          </a:prstGeom>
+          <a:noFill/>
+        </p:spPr>
+        <p:txBody>
+          <a:bodyPr wrap="square" rtlCol="0">
+            <a:spAutoFit/>
+          </a:bodyPr>
+          <a:lstStyle/>
+          <a:p>
+            <a:r>
+              <a:rPr lang="en-US"/>
+              <a:t>U-Net sinh ra nhằm giải quyết bài toán Image Segmentation</a:t>
+            </a:r>
+          </a:p>
+        </p:txBody>
+      </p:sp>
+      <p:sp>
+        <p:nvSpPr>
+          <p:cNvPr id="10" name="TextBox 9">
+            <a:extLst>
+              <a:ext uri="{FF2B5EF4-FFF2-40B4-BE49-F238E27FC236}">
+                <a16:creationId xmlns:a16="http://schemas.microsoft.com/office/drawing/2014/main" id="{4AFCBFCD-BB9F-447E-A5FF-CD478B274AA7}"/>
+              </a:ext>
+            </a:extLst>
+          </p:cNvPr>
+          <p:cNvSpPr txBox="1"/>
+          <p:nvPr/>
+        </p:nvSpPr>
+        <p:spPr>
+          <a:xfrm>
+            <a:off x="560832" y="5148951"/>
+            <a:ext cx="8473440" cy="1200329"/>
+          </a:xfrm>
+          <a:prstGeom prst="rect">
+            <a:avLst/>
+          </a:prstGeom>
+          <a:noFill/>
+        </p:spPr>
+        <p:txBody>
+          <a:bodyPr wrap="square" rtlCol="0">
+            <a:spAutoFit/>
+          </a:bodyPr>
+          <a:lstStyle/>
+          <a:p>
+            <a:r>
+              <a:rPr lang="en-US"/>
+              <a:t>Kiến trúc Mạng U-Net gồm 2 phần đối xứng nhau là encoder và decoder</a:t>
+            </a:r>
+          </a:p>
+          <a:p>
+            <a:r>
+              <a:rPr lang="en-US"/>
+              <a:t>   . Encoder:</a:t>
+            </a:r>
+            <a:r>
+              <a:rPr lang="ko-KR" altLang="en-US"/>
+              <a:t> </a:t>
+            </a:r>
+            <a:r>
+              <a:rPr lang="en-US" altLang="ko-KR"/>
+              <a:t>là conv, max pooling bình th</a:t>
+            </a:r>
+            <a:r>
+              <a:rPr lang="vi-VN" altLang="ko-KR"/>
+              <a:t>ư</a:t>
+            </a:r>
+            <a:r>
+              <a:rPr lang="en-US" altLang="ko-KR"/>
+              <a:t>ờng như các mạng khác bỏ đi phần Full connection</a:t>
+            </a:r>
+          </a:p>
+          <a:p>
+            <a:r>
+              <a:rPr lang="en-US"/>
+              <a:t>   . Decoder: Mục đích là tang kích th</a:t>
+            </a:r>
+            <a:r>
+              <a:rPr lang="vi-VN"/>
+              <a:t>ư</a:t>
+            </a:r>
+            <a:r>
+              <a:rPr lang="en-US"/>
+              <a:t>ớc ảnh và khôi phục ảnh gốc, Các layer trong decode đ</a:t>
+            </a:r>
+            <a:r>
+              <a:rPr lang="vi-VN"/>
+              <a:t>ư</a:t>
+            </a:r>
+            <a:r>
+              <a:rPr lang="en-US"/>
+              <a:t>ợc gộp với kết quả của layer encode t</a:t>
+            </a:r>
+            <a:r>
+              <a:rPr lang="vi-VN"/>
+              <a:t>ư</a:t>
+            </a:r>
+            <a:r>
+              <a:rPr lang="en-US"/>
+              <a:t>ơng ứng để bổ sung thông tin của ảnh gốc.</a:t>
+            </a:r>
+          </a:p>
+        </p:txBody>
+      </p:sp>
+      <p:pic>
+        <p:nvPicPr>
+          <p:cNvPr id="8" name="Picture 7">
+            <a:extLst>
+              <a:ext uri="{FF2B5EF4-FFF2-40B4-BE49-F238E27FC236}">
+                <a16:creationId xmlns:a16="http://schemas.microsoft.com/office/drawing/2014/main" id="{F4788707-8496-430B-99F3-0D250192C601}"/>
+              </a:ext>
+            </a:extLst>
+          </p:cNvPr>
+          <p:cNvPicPr>
+            <a:picLocks noChangeAspect="1"/>
+          </p:cNvPicPr>
+          <p:nvPr/>
+        </p:nvPicPr>
+        <p:blipFill>
+          <a:blip r:embed="rId7"/>
+          <a:stretch>
+            <a:fillRect/>
+          </a:stretch>
+        </p:blipFill>
+        <p:spPr>
+          <a:xfrm>
+            <a:off x="560831" y="2904744"/>
+            <a:ext cx="3588310" cy="2206301"/>
+          </a:xfrm>
+          <a:prstGeom prst="rect">
+            <a:avLst/>
+          </a:prstGeom>
+        </p:spPr>
+      </p:pic>
+      <p:sp>
+        <p:nvSpPr>
+          <p:cNvPr id="9" name="Rectangle 8">
+            <a:extLst>
+              <a:ext uri="{FF2B5EF4-FFF2-40B4-BE49-F238E27FC236}">
+                <a16:creationId xmlns:a16="http://schemas.microsoft.com/office/drawing/2014/main" id="{43223342-5EF9-4252-BD64-AC06516CB5BC}"/>
+              </a:ext>
+            </a:extLst>
+          </p:cNvPr>
+          <p:cNvSpPr/>
+          <p:nvPr/>
+        </p:nvSpPr>
+        <p:spPr>
+          <a:xfrm>
+            <a:off x="860599" y="6471952"/>
+            <a:ext cx="3796745" cy="369332"/>
+          </a:xfrm>
+          <a:prstGeom prst="rect">
+            <a:avLst/>
+          </a:prstGeom>
+        </p:spPr>
+        <p:txBody>
+          <a:bodyPr wrap="none">
+            <a:spAutoFit/>
+          </a:bodyPr>
+          <a:lstStyle/>
+          <a:p>
+            <a:r>
+              <a:rPr lang="en-US">
+                <a:solidFill>
+                  <a:srgbClr val="555D66"/>
+                </a:solidFill>
+                <a:latin typeface="Roboto"/>
+              </a:rPr>
+              <a:t>https://arxiv.org/pdf/1505.04597.pdf</a:t>
+            </a:r>
+            <a:endParaRPr lang="en-US"/>
+          </a:p>
+        </p:txBody>
+      </p:sp>
+    </p:spTree>
+    <p:extLst>
+      <p:ext uri="{BB962C8B-B14F-4D97-AF65-F5344CB8AC3E}">
+        <p14:creationId xmlns:p14="http://schemas.microsoft.com/office/powerpoint/2010/main" val="2755469389"/>
+      </p:ext>
+    </p:extLst>
+  </p:cSld>
+  <p:clrMapOvr>
+    <a:masterClrMapping/>
+  </p:clrMapOvr>
+</p:sld>
+</file>
+
+<file path=ppt/slides/slide12.xml><?xml version="1.0" encoding="utf-8"?>
+<p:sld xmlns:a="http://schemas.openxmlformats.org/drawingml/2006/main" xmlns:r="http://schemas.openxmlformats.org/officeDocument/2006/relationships" xmlns:p="http://schemas.openxmlformats.org/presentationml/2006/main">
+  <p:cSld>
+    <p:spTree>
+      <p:nvGrpSpPr>
+        <p:cNvPr id="1" name=""/>
+        <p:cNvGrpSpPr/>
+        <p:nvPr/>
+      </p:nvGrpSpPr>
+      <p:grpSpPr>
+        <a:xfrm>
+          <a:off x="0" y="0"/>
+          <a:ext cx="0" cy="0"/>
+          <a:chOff x="0" y="0"/>
+          <a:chExt cx="0" cy="0"/>
+        </a:xfrm>
+      </p:grpSpPr>
+      <p:sp>
+        <p:nvSpPr>
+          <p:cNvPr id="2" name="Title 1">
+            <a:extLst>
+              <a:ext uri="{FF2B5EF4-FFF2-40B4-BE49-F238E27FC236}">
+                <a16:creationId xmlns:a16="http://schemas.microsoft.com/office/drawing/2014/main" id="{F339D106-D45F-43EB-AAC9-88C0FD077A4C}"/>
+              </a:ext>
+            </a:extLst>
+          </p:cNvPr>
+          <p:cNvSpPr>
+            <a:spLocks noGrp="1"/>
+          </p:cNvSpPr>
+          <p:nvPr>
+            <p:ph type="title"/>
+          </p:nvPr>
+        </p:nvSpPr>
+        <p:spPr/>
+        <p:txBody>
+          <a:bodyPr/>
+          <a:lstStyle/>
+          <a:p>
+            <a:r>
+              <a:rPr lang="en-US"/>
+              <a:t>Attention</a:t>
+            </a:r>
+          </a:p>
+        </p:txBody>
+      </p:sp>
+      <p:sp>
+        <p:nvSpPr>
+          <p:cNvPr id="17" name="Slide Number Placeholder 16">
+            <a:extLst>
+              <a:ext uri="{FF2B5EF4-FFF2-40B4-BE49-F238E27FC236}">
+                <a16:creationId xmlns:a16="http://schemas.microsoft.com/office/drawing/2014/main" id="{9B5FAE9E-0F18-4400-8B62-4E1899875566}"/>
+              </a:ext>
+            </a:extLst>
+          </p:cNvPr>
+          <p:cNvSpPr>
+            <a:spLocks noGrp="1"/>
+          </p:cNvSpPr>
+          <p:nvPr>
+            <p:ph type="sldNum" sz="quarter" idx="10"/>
+          </p:nvPr>
+        </p:nvSpPr>
+        <p:spPr/>
+        <p:txBody>
+          <a:bodyPr/>
+          <a:lstStyle/>
+          <a:p>
+            <a:fld id="{4343900A-59A4-4D14-94AE-342E53929C97}" type="slidenum">
+              <a:rPr lang="en-US" smtClean="0"/>
+              <a:t>12</a:t>
+            </a:fld>
+            <a:endParaRPr lang="en-US"/>
+          </a:p>
+        </p:txBody>
+      </p:sp>
+      <p:sp>
+        <p:nvSpPr>
+          <p:cNvPr id="11" name="Content Placeholder 2">
+            <a:extLst>
+              <a:ext uri="{FF2B5EF4-FFF2-40B4-BE49-F238E27FC236}">
+                <a16:creationId xmlns:a16="http://schemas.microsoft.com/office/drawing/2014/main" id="{BCFCBC5F-081E-4685-A8C9-1388C1DE3AB7}"/>
+              </a:ext>
+            </a:extLst>
+          </p:cNvPr>
+          <p:cNvSpPr txBox="1">
+            <a:spLocks/>
+          </p:cNvSpPr>
+          <p:nvPr/>
+        </p:nvSpPr>
+        <p:spPr bwMode="auto">
+          <a:xfrm>
+            <a:off x="399942" y="1035760"/>
+            <a:ext cx="8402682" cy="5206543"/>
+          </a:xfrm>
+          <a:prstGeom prst="rect">
+            <a:avLst/>
+          </a:prstGeom>
+          <a:noFill/>
+          <a:ln w="9525">
+            <a:noFill/>
+            <a:miter lim="800000"/>
+            <a:headEnd/>
+            <a:tailEnd/>
+          </a:ln>
+        </p:spPr>
+        <p:txBody>
+          <a:bodyPr vert="horz" wrap="square" lIns="91440" tIns="45720" rIns="91440" bIns="45720" numCol="1" anchor="t" anchorCtr="0" compatLnSpc="1">
+            <a:prstTxWarp prst="textNoShape">
+              <a:avLst/>
+            </a:prstTxWarp>
+          </a:bodyPr>
+          <a:lstStyle>
+            <a:lvl1pPr marL="342900" indent="-342900" algn="l" rtl="0" eaLnBrk="1" fontAlgn="base" latinLnBrk="1" hangingPunct="1">
+              <a:spcBef>
+                <a:spcPct val="0"/>
+              </a:spcBef>
+              <a:spcAft>
+                <a:spcPct val="0"/>
+              </a:spcAft>
+              <a:buClr>
+                <a:schemeClr val="folHlink"/>
+              </a:buClr>
+              <a:buSzPct val="90000"/>
+              <a:buFont typeface="Wingdings" pitchFamily="2" charset="2"/>
+              <a:buBlip>
+                <a:blip r:embed="rId2"/>
+              </a:buBlip>
+              <a:defRPr kumimoji="1" sz="2200">
+                <a:solidFill>
+                  <a:schemeClr val="tx1"/>
+                </a:solidFill>
+                <a:latin typeface="+mn-lt"/>
+                <a:ea typeface="+mn-ea"/>
+                <a:cs typeface="+mn-cs"/>
+              </a:defRPr>
+            </a:lvl1pPr>
+            <a:lvl2pPr marL="742950" indent="-285750" algn="l" rtl="0" eaLnBrk="1" fontAlgn="base" latinLnBrk="1" hangingPunct="1">
+              <a:spcBef>
+                <a:spcPct val="0"/>
+              </a:spcBef>
+              <a:spcAft>
+                <a:spcPct val="0"/>
+              </a:spcAft>
+              <a:buClr>
+                <a:schemeClr val="hlink"/>
+              </a:buClr>
+              <a:buSzPct val="90000"/>
+              <a:buFont typeface="Wingdings" pitchFamily="2" charset="2"/>
+              <a:buBlip>
+                <a:blip r:embed="rId3"/>
+              </a:buBlip>
+              <a:defRPr kumimoji="1" sz="2000">
+                <a:solidFill>
+                  <a:schemeClr val="tx1"/>
+                </a:solidFill>
+                <a:latin typeface="+mn-lt"/>
+                <a:ea typeface="+mn-ea"/>
+              </a:defRPr>
+            </a:lvl2pPr>
+            <a:lvl3pPr marL="1143000" indent="-228600" algn="l" rtl="0" eaLnBrk="1" fontAlgn="base" latinLnBrk="1" hangingPunct="1">
+              <a:spcBef>
+                <a:spcPct val="0"/>
+              </a:spcBef>
+              <a:spcAft>
+                <a:spcPct val="0"/>
+              </a:spcAft>
+              <a:buClr>
+                <a:schemeClr val="accent2"/>
+              </a:buClr>
+              <a:buSzPct val="80000"/>
+              <a:buFont typeface="Wingdings" pitchFamily="2" charset="2"/>
+              <a:buBlip>
+                <a:blip r:embed="rId4"/>
+              </a:buBlip>
+              <a:defRPr kumimoji="1">
+                <a:solidFill>
+                  <a:schemeClr val="tx1"/>
+                </a:solidFill>
+                <a:latin typeface="+mn-lt"/>
+                <a:ea typeface="+mn-ea"/>
+              </a:defRPr>
+            </a:lvl3pPr>
+            <a:lvl4pPr marL="1600200" indent="-228600" algn="l" rtl="0" eaLnBrk="1" fontAlgn="base" latinLnBrk="1" hangingPunct="1">
+              <a:spcBef>
+                <a:spcPct val="20000"/>
+              </a:spcBef>
+              <a:spcAft>
+                <a:spcPct val="0"/>
+              </a:spcAft>
+              <a:buClr>
+                <a:schemeClr val="tx2"/>
+              </a:buClr>
+              <a:buSzPct val="55000"/>
+              <a:buFont typeface="Wingdings" pitchFamily="2" charset="2"/>
+              <a:buChar char="n"/>
+              <a:defRPr kumimoji="1" sz="1600">
+                <a:solidFill>
+                  <a:schemeClr val="tx1"/>
+                </a:solidFill>
+                <a:latin typeface="+mn-lt"/>
+                <a:ea typeface="HY견고딕" pitchFamily="18" charset="-127"/>
+              </a:defRPr>
+            </a:lvl4pPr>
+            <a:lvl5pPr marL="2057400" indent="-228600" algn="l" rtl="0" eaLnBrk="1" fontAlgn="base" latinLnBrk="1" hangingPunct="1">
+              <a:spcBef>
+                <a:spcPct val="20000"/>
+              </a:spcBef>
+              <a:spcAft>
+                <a:spcPct val="0"/>
+              </a:spcAft>
+              <a:buClr>
+                <a:schemeClr val="accent1"/>
+              </a:buClr>
+              <a:buSzPct val="50000"/>
+              <a:buFont typeface="Wingdings" pitchFamily="2" charset="2"/>
+              <a:buChar char="n"/>
+              <a:defRPr kumimoji="1" sz="1600">
+                <a:solidFill>
+                  <a:schemeClr val="tx1"/>
+                </a:solidFill>
+                <a:latin typeface="+mn-lt"/>
+                <a:ea typeface="HY견고딕" pitchFamily="18" charset="-127"/>
+              </a:defRPr>
+            </a:lvl5pPr>
+            <a:lvl6pPr marL="2514600" indent="-228600" algn="l" rtl="0" eaLnBrk="1" fontAlgn="base" latinLnBrk="1" hangingPunct="1">
+              <a:spcBef>
+                <a:spcPct val="20000"/>
+              </a:spcBef>
+              <a:spcAft>
+                <a:spcPct val="0"/>
+              </a:spcAft>
+              <a:buClr>
+                <a:schemeClr val="accent1"/>
+              </a:buClr>
+              <a:buSzPct val="50000"/>
+              <a:buFont typeface="Wingdings" pitchFamily="2" charset="2"/>
+              <a:buChar char="n"/>
+              <a:defRPr kumimoji="1" sz="1600">
+                <a:solidFill>
+                  <a:schemeClr val="tx1"/>
+                </a:solidFill>
+                <a:latin typeface="Verdana" pitchFamily="34" charset="0"/>
+                <a:ea typeface="HY견고딕" pitchFamily="18" charset="-127"/>
+              </a:defRPr>
+            </a:lvl6pPr>
+            <a:lvl7pPr marL="2971800" indent="-228600" algn="l" rtl="0" eaLnBrk="1" fontAlgn="base" latinLnBrk="1" hangingPunct="1">
+              <a:spcBef>
+                <a:spcPct val="20000"/>
+              </a:spcBef>
+              <a:spcAft>
+                <a:spcPct val="0"/>
+              </a:spcAft>
+              <a:buClr>
+                <a:schemeClr val="accent1"/>
+              </a:buClr>
+              <a:buSzPct val="50000"/>
+              <a:buFont typeface="Wingdings" pitchFamily="2" charset="2"/>
+              <a:buChar char="n"/>
+              <a:defRPr kumimoji="1" sz="1600">
+                <a:solidFill>
+                  <a:schemeClr val="tx1"/>
+                </a:solidFill>
+                <a:latin typeface="Verdana" pitchFamily="34" charset="0"/>
+                <a:ea typeface="HY견고딕" pitchFamily="18" charset="-127"/>
+              </a:defRPr>
+            </a:lvl7pPr>
+            <a:lvl8pPr marL="3429000" indent="-228600" algn="l" rtl="0" eaLnBrk="1" fontAlgn="base" latinLnBrk="1" hangingPunct="1">
+              <a:spcBef>
+                <a:spcPct val="20000"/>
+              </a:spcBef>
+              <a:spcAft>
+                <a:spcPct val="0"/>
+              </a:spcAft>
+              <a:buClr>
+                <a:schemeClr val="accent1"/>
+              </a:buClr>
+              <a:buSzPct val="50000"/>
+              <a:buFont typeface="Wingdings" pitchFamily="2" charset="2"/>
+              <a:buChar char="n"/>
+              <a:defRPr kumimoji="1" sz="1600">
+                <a:solidFill>
+                  <a:schemeClr val="tx1"/>
+                </a:solidFill>
+                <a:latin typeface="Verdana" pitchFamily="34" charset="0"/>
+                <a:ea typeface="HY견고딕" pitchFamily="18" charset="-127"/>
+              </a:defRPr>
+            </a:lvl8pPr>
+            <a:lvl9pPr marL="3886200" indent="-228600" algn="l" rtl="0" eaLnBrk="1" fontAlgn="base" latinLnBrk="1" hangingPunct="1">
+              <a:spcBef>
+                <a:spcPct val="20000"/>
+              </a:spcBef>
+              <a:spcAft>
+                <a:spcPct val="0"/>
+              </a:spcAft>
+              <a:buClr>
+                <a:schemeClr val="accent1"/>
+              </a:buClr>
+              <a:buSzPct val="50000"/>
+              <a:buFont typeface="Wingdings" pitchFamily="2" charset="2"/>
+              <a:buChar char="n"/>
+              <a:defRPr kumimoji="1" sz="1600">
+                <a:solidFill>
+                  <a:schemeClr val="tx1"/>
+                </a:solidFill>
+                <a:latin typeface="Verdana" pitchFamily="34" charset="0"/>
+                <a:ea typeface="HY견고딕" pitchFamily="18" charset="-127"/>
+              </a:defRPr>
+            </a:lvl9pPr>
+          </a:lstStyle>
+          <a:p>
+            <a:r>
+              <a:rPr lang="en-US" sz="2000" kern="0"/>
+              <a:t>Giới thiệu:</a:t>
+            </a:r>
+          </a:p>
+          <a:p>
+            <a:pPr lvl="1"/>
+            <a:r>
+              <a:rPr lang="en-US" sz="1800" kern="0"/>
+              <a:t>Attention là một c</a:t>
+            </a:r>
+            <a:r>
+              <a:rPr lang="vi-VN" sz="1800" kern="0"/>
+              <a:t>ơ</a:t>
+            </a:r>
+            <a:r>
+              <a:rPr lang="en-US" sz="1800" kern="0"/>
+              <a:t> chế giúp mô hình tập trong vào những phần chính</a:t>
+            </a:r>
+          </a:p>
+          <a:p>
+            <a:pPr lvl="1"/>
+            <a:r>
+              <a:rPr lang="en-US" sz="1800" kern="0"/>
+              <a:t>Attention mục đích ban đầu là để phục vụ dịch máy tuy nhiên hiện nay đ</a:t>
+            </a:r>
+            <a:r>
+              <a:rPr lang="vi-VN" sz="1800" kern="0"/>
+              <a:t>ư</a:t>
+            </a:r>
+            <a:r>
+              <a:rPr lang="en-US" sz="1800" kern="0"/>
+              <a:t>ợc sử dụng khá đa dạng nh</a:t>
+            </a:r>
+            <a:r>
+              <a:rPr lang="vi-VN" sz="1800" kern="0"/>
+              <a:t>ư</a:t>
+            </a:r>
+            <a:r>
+              <a:rPr lang="en-US" sz="1800" kern="0"/>
+              <a:t> là “Image Captioning”, “Text Summarizarion”, “text classification, “Voice Recognition”…</a:t>
+            </a:r>
+            <a:endParaRPr lang="en-US"/>
+          </a:p>
+        </p:txBody>
+      </p:sp>
+      <p:pic>
+        <p:nvPicPr>
+          <p:cNvPr id="3" name="Picture 2">
+            <a:extLst>
+              <a:ext uri="{FF2B5EF4-FFF2-40B4-BE49-F238E27FC236}">
+                <a16:creationId xmlns:a16="http://schemas.microsoft.com/office/drawing/2014/main" id="{1188F5FE-796D-4BA0-951B-F0C0D94729F5}"/>
+              </a:ext>
+            </a:extLst>
+          </p:cNvPr>
+          <p:cNvPicPr>
+            <a:picLocks noChangeAspect="1"/>
+          </p:cNvPicPr>
+          <p:nvPr/>
+        </p:nvPicPr>
+        <p:blipFill>
+          <a:blip r:embed="rId5"/>
+          <a:stretch>
+            <a:fillRect/>
+          </a:stretch>
+        </p:blipFill>
+        <p:spPr>
+          <a:xfrm>
+            <a:off x="1217935" y="2596703"/>
+            <a:ext cx="2594392" cy="2524509"/>
+          </a:xfrm>
+          <a:prstGeom prst="rect">
+            <a:avLst/>
+          </a:prstGeom>
+        </p:spPr>
+      </p:pic>
+      <p:pic>
+        <p:nvPicPr>
+          <p:cNvPr id="4" name="Picture 3">
+            <a:extLst>
+              <a:ext uri="{FF2B5EF4-FFF2-40B4-BE49-F238E27FC236}">
+                <a16:creationId xmlns:a16="http://schemas.microsoft.com/office/drawing/2014/main" id="{2EA28ED7-E9F4-467F-8815-4D506F9CD951}"/>
+              </a:ext>
+            </a:extLst>
+          </p:cNvPr>
+          <p:cNvPicPr>
+            <a:picLocks noChangeAspect="1"/>
+          </p:cNvPicPr>
+          <p:nvPr/>
+        </p:nvPicPr>
+        <p:blipFill>
+          <a:blip r:embed="rId6"/>
+          <a:stretch>
+            <a:fillRect/>
+          </a:stretch>
+        </p:blipFill>
+        <p:spPr>
+          <a:xfrm>
+            <a:off x="4445592" y="3151707"/>
+            <a:ext cx="3962953" cy="2295845"/>
+          </a:xfrm>
+          <a:prstGeom prst="rect">
+            <a:avLst/>
+          </a:prstGeom>
+        </p:spPr>
+      </p:pic>
+      <p:sp>
+        <p:nvSpPr>
+          <p:cNvPr id="12" name="Rectangle 11">
+            <a:extLst>
+              <a:ext uri="{FF2B5EF4-FFF2-40B4-BE49-F238E27FC236}">
+                <a16:creationId xmlns:a16="http://schemas.microsoft.com/office/drawing/2014/main" id="{EB9103C5-2B33-42DA-84AD-0237A361632A}"/>
+              </a:ext>
+            </a:extLst>
+          </p:cNvPr>
+          <p:cNvSpPr/>
+          <p:nvPr/>
+        </p:nvSpPr>
+        <p:spPr>
+          <a:xfrm>
+            <a:off x="701039" y="6490388"/>
+            <a:ext cx="7707505" cy="369332"/>
+          </a:xfrm>
+          <a:prstGeom prst="rect">
+            <a:avLst/>
+          </a:prstGeom>
+        </p:spPr>
+        <p:txBody>
+          <a:bodyPr wrap="square">
+            <a:spAutoFit/>
+          </a:bodyPr>
+          <a:lstStyle/>
+          <a:p>
+            <a:r>
+              <a:rPr lang="en-US">
+                <a:hlinkClick r:id="rId7"/>
+              </a:rPr>
+              <a:t>https://viblo.asia/p/machine-learning-attention-attention-attention-eW65GPJYKDO</a:t>
+            </a:r>
+            <a:endParaRPr lang="en-US"/>
+          </a:p>
+        </p:txBody>
+      </p:sp>
+    </p:spTree>
+    <p:extLst>
+      <p:ext uri="{BB962C8B-B14F-4D97-AF65-F5344CB8AC3E}">
+        <p14:creationId xmlns:p14="http://schemas.microsoft.com/office/powerpoint/2010/main" val="499710250"/>
+      </p:ext>
+    </p:extLst>
+  </p:cSld>
+  <p:clrMapOvr>
+    <a:masterClrMapping/>
+  </p:clrMapOvr>
+</p:sld>
+</file>
+
 <file path=ppt/slides/slide2.xml><?xml version="1.0" encoding="utf-8"?>
 <p:sld xmlns:a="http://schemas.openxmlformats.org/drawingml/2006/main" xmlns:r="http://schemas.openxmlformats.org/officeDocument/2006/relationships" xmlns:p="http://schemas.openxmlformats.org/presentationml/2006/main">
   <p:cSld>
@@ -9918,6 +11487,938 @@
     <p:extLst>
       <p:ext uri="{BB962C8B-B14F-4D97-AF65-F5344CB8AC3E}">
         <p14:creationId xmlns:p14="http://schemas.microsoft.com/office/powerpoint/2010/main" val="942953850"/>
+      </p:ext>
+    </p:extLst>
+  </p:cSld>
+  <p:clrMapOvr>
+    <a:masterClrMapping/>
+  </p:clrMapOvr>
+</p:sld>
+</file>
+
+<file path=ppt/slides/slide9.xml><?xml version="1.0" encoding="utf-8"?>
+<p:sld xmlns:a="http://schemas.openxmlformats.org/drawingml/2006/main" xmlns:r="http://schemas.openxmlformats.org/officeDocument/2006/relationships" xmlns:p="http://schemas.openxmlformats.org/presentationml/2006/main">
+  <p:cSld>
+    <p:spTree>
+      <p:nvGrpSpPr>
+        <p:cNvPr id="1" name=""/>
+        <p:cNvGrpSpPr/>
+        <p:nvPr/>
+      </p:nvGrpSpPr>
+      <p:grpSpPr>
+        <a:xfrm>
+          <a:off x="0" y="0"/>
+          <a:ext cx="0" cy="0"/>
+          <a:chOff x="0" y="0"/>
+          <a:chExt cx="0" cy="0"/>
+        </a:xfrm>
+      </p:grpSpPr>
+      <p:sp>
+        <p:nvSpPr>
+          <p:cNvPr id="2" name="Title 1">
+            <a:extLst>
+              <a:ext uri="{FF2B5EF4-FFF2-40B4-BE49-F238E27FC236}">
+                <a16:creationId xmlns:a16="http://schemas.microsoft.com/office/drawing/2014/main" id="{F339D106-D45F-43EB-AAC9-88C0FD077A4C}"/>
+              </a:ext>
+            </a:extLst>
+          </p:cNvPr>
+          <p:cNvSpPr>
+            <a:spLocks noGrp="1"/>
+          </p:cNvSpPr>
+          <p:nvPr>
+            <p:ph type="title"/>
+          </p:nvPr>
+        </p:nvSpPr>
+        <p:spPr/>
+        <p:txBody>
+          <a:bodyPr/>
+          <a:lstStyle/>
+          <a:p>
+            <a:r>
+              <a:rPr lang="en-US"/>
+              <a:t>DenseNet</a:t>
+            </a:r>
+          </a:p>
+        </p:txBody>
+      </p:sp>
+      <p:sp>
+        <p:nvSpPr>
+          <p:cNvPr id="17" name="Slide Number Placeholder 16">
+            <a:extLst>
+              <a:ext uri="{FF2B5EF4-FFF2-40B4-BE49-F238E27FC236}">
+                <a16:creationId xmlns:a16="http://schemas.microsoft.com/office/drawing/2014/main" id="{9B5FAE9E-0F18-4400-8B62-4E1899875566}"/>
+              </a:ext>
+            </a:extLst>
+          </p:cNvPr>
+          <p:cNvSpPr>
+            <a:spLocks noGrp="1"/>
+          </p:cNvSpPr>
+          <p:nvPr>
+            <p:ph type="sldNum" sz="quarter" idx="10"/>
+          </p:nvPr>
+        </p:nvSpPr>
+        <p:spPr/>
+        <p:txBody>
+          <a:bodyPr/>
+          <a:lstStyle/>
+          <a:p>
+            <a:fld id="{4343900A-59A4-4D14-94AE-342E53929C97}" type="slidenum">
+              <a:rPr lang="en-US" smtClean="0"/>
+              <a:t>9</a:t>
+            </a:fld>
+            <a:endParaRPr lang="en-US"/>
+          </a:p>
+        </p:txBody>
+      </p:sp>
+      <p:sp>
+        <p:nvSpPr>
+          <p:cNvPr id="12" name="Content Placeholder 2">
+            <a:extLst>
+              <a:ext uri="{FF2B5EF4-FFF2-40B4-BE49-F238E27FC236}">
+                <a16:creationId xmlns:a16="http://schemas.microsoft.com/office/drawing/2014/main" id="{B9C2178E-0B4F-4A51-8A2B-B55CA69759C5}"/>
+              </a:ext>
+            </a:extLst>
+          </p:cNvPr>
+          <p:cNvSpPr txBox="1">
+            <a:spLocks/>
+          </p:cNvSpPr>
+          <p:nvPr/>
+        </p:nvSpPr>
+        <p:spPr bwMode="auto">
+          <a:xfrm>
+            <a:off x="408331" y="1055056"/>
+            <a:ext cx="8126065" cy="822512"/>
+          </a:xfrm>
+          <a:prstGeom prst="rect">
+            <a:avLst/>
+          </a:prstGeom>
+          <a:noFill/>
+          <a:ln w="9525">
+            <a:noFill/>
+            <a:miter lim="800000"/>
+            <a:headEnd/>
+            <a:tailEnd/>
+          </a:ln>
+        </p:spPr>
+        <p:txBody>
+          <a:bodyPr vert="horz" wrap="square" lIns="91440" tIns="45720" rIns="91440" bIns="45720" numCol="1" anchor="t" anchorCtr="0" compatLnSpc="1">
+            <a:prstTxWarp prst="textNoShape">
+              <a:avLst/>
+            </a:prstTxWarp>
+          </a:bodyPr>
+          <a:lstStyle>
+            <a:lvl1pPr marL="342900" indent="-342900" algn="l" rtl="0" eaLnBrk="1" fontAlgn="base" latinLnBrk="1" hangingPunct="1">
+              <a:spcBef>
+                <a:spcPct val="0"/>
+              </a:spcBef>
+              <a:spcAft>
+                <a:spcPct val="0"/>
+              </a:spcAft>
+              <a:buClr>
+                <a:schemeClr val="folHlink"/>
+              </a:buClr>
+              <a:buSzPct val="90000"/>
+              <a:buFont typeface="Wingdings" pitchFamily="2" charset="2"/>
+              <a:buBlip>
+                <a:blip r:embed="rId2"/>
+              </a:buBlip>
+              <a:defRPr kumimoji="1" sz="2200">
+                <a:solidFill>
+                  <a:schemeClr val="tx1"/>
+                </a:solidFill>
+                <a:latin typeface="+mn-lt"/>
+                <a:ea typeface="+mn-ea"/>
+                <a:cs typeface="+mn-cs"/>
+              </a:defRPr>
+            </a:lvl1pPr>
+            <a:lvl2pPr marL="742950" indent="-285750" algn="l" rtl="0" eaLnBrk="1" fontAlgn="base" latinLnBrk="1" hangingPunct="1">
+              <a:spcBef>
+                <a:spcPct val="0"/>
+              </a:spcBef>
+              <a:spcAft>
+                <a:spcPct val="0"/>
+              </a:spcAft>
+              <a:buClr>
+                <a:schemeClr val="hlink"/>
+              </a:buClr>
+              <a:buSzPct val="90000"/>
+              <a:buFont typeface="Wingdings" pitchFamily="2" charset="2"/>
+              <a:buBlip>
+                <a:blip r:embed="rId3"/>
+              </a:buBlip>
+              <a:defRPr kumimoji="1" sz="2000">
+                <a:solidFill>
+                  <a:schemeClr val="tx1"/>
+                </a:solidFill>
+                <a:latin typeface="+mn-lt"/>
+                <a:ea typeface="+mn-ea"/>
+              </a:defRPr>
+            </a:lvl2pPr>
+            <a:lvl3pPr marL="1143000" indent="-228600" algn="l" rtl="0" eaLnBrk="1" fontAlgn="base" latinLnBrk="1" hangingPunct="1">
+              <a:spcBef>
+                <a:spcPct val="0"/>
+              </a:spcBef>
+              <a:spcAft>
+                <a:spcPct val="0"/>
+              </a:spcAft>
+              <a:buClr>
+                <a:schemeClr val="accent2"/>
+              </a:buClr>
+              <a:buSzPct val="80000"/>
+              <a:buFont typeface="Wingdings" pitchFamily="2" charset="2"/>
+              <a:buBlip>
+                <a:blip r:embed="rId4"/>
+              </a:buBlip>
+              <a:defRPr kumimoji="1">
+                <a:solidFill>
+                  <a:schemeClr val="tx1"/>
+                </a:solidFill>
+                <a:latin typeface="+mn-lt"/>
+                <a:ea typeface="+mn-ea"/>
+              </a:defRPr>
+            </a:lvl3pPr>
+            <a:lvl4pPr marL="1600200" indent="-228600" algn="l" rtl="0" eaLnBrk="1" fontAlgn="base" latinLnBrk="1" hangingPunct="1">
+              <a:spcBef>
+                <a:spcPct val="20000"/>
+              </a:spcBef>
+              <a:spcAft>
+                <a:spcPct val="0"/>
+              </a:spcAft>
+              <a:buClr>
+                <a:schemeClr val="tx2"/>
+              </a:buClr>
+              <a:buSzPct val="55000"/>
+              <a:buFont typeface="Wingdings" pitchFamily="2" charset="2"/>
+              <a:buChar char="n"/>
+              <a:defRPr kumimoji="1" sz="1600">
+                <a:solidFill>
+                  <a:schemeClr val="tx1"/>
+                </a:solidFill>
+                <a:latin typeface="+mn-lt"/>
+                <a:ea typeface="HY견고딕" pitchFamily="18" charset="-127"/>
+              </a:defRPr>
+            </a:lvl4pPr>
+            <a:lvl5pPr marL="2057400" indent="-228600" algn="l" rtl="0" eaLnBrk="1" fontAlgn="base" latinLnBrk="1" hangingPunct="1">
+              <a:spcBef>
+                <a:spcPct val="20000"/>
+              </a:spcBef>
+              <a:spcAft>
+                <a:spcPct val="0"/>
+              </a:spcAft>
+              <a:buClr>
+                <a:schemeClr val="accent1"/>
+              </a:buClr>
+              <a:buSzPct val="50000"/>
+              <a:buFont typeface="Wingdings" pitchFamily="2" charset="2"/>
+              <a:buChar char="n"/>
+              <a:defRPr kumimoji="1" sz="1600">
+                <a:solidFill>
+                  <a:schemeClr val="tx1"/>
+                </a:solidFill>
+                <a:latin typeface="+mn-lt"/>
+                <a:ea typeface="HY견고딕" pitchFamily="18" charset="-127"/>
+              </a:defRPr>
+            </a:lvl5pPr>
+            <a:lvl6pPr marL="2514600" indent="-228600" algn="l" rtl="0" eaLnBrk="1" fontAlgn="base" latinLnBrk="1" hangingPunct="1">
+              <a:spcBef>
+                <a:spcPct val="20000"/>
+              </a:spcBef>
+              <a:spcAft>
+                <a:spcPct val="0"/>
+              </a:spcAft>
+              <a:buClr>
+                <a:schemeClr val="accent1"/>
+              </a:buClr>
+              <a:buSzPct val="50000"/>
+              <a:buFont typeface="Wingdings" pitchFamily="2" charset="2"/>
+              <a:buChar char="n"/>
+              <a:defRPr kumimoji="1" sz="1600">
+                <a:solidFill>
+                  <a:schemeClr val="tx1"/>
+                </a:solidFill>
+                <a:latin typeface="Verdana" pitchFamily="34" charset="0"/>
+                <a:ea typeface="HY견고딕" pitchFamily="18" charset="-127"/>
+              </a:defRPr>
+            </a:lvl6pPr>
+            <a:lvl7pPr marL="2971800" indent="-228600" algn="l" rtl="0" eaLnBrk="1" fontAlgn="base" latinLnBrk="1" hangingPunct="1">
+              <a:spcBef>
+                <a:spcPct val="20000"/>
+              </a:spcBef>
+              <a:spcAft>
+                <a:spcPct val="0"/>
+              </a:spcAft>
+              <a:buClr>
+                <a:schemeClr val="accent1"/>
+              </a:buClr>
+              <a:buSzPct val="50000"/>
+              <a:buFont typeface="Wingdings" pitchFamily="2" charset="2"/>
+              <a:buChar char="n"/>
+              <a:defRPr kumimoji="1" sz="1600">
+                <a:solidFill>
+                  <a:schemeClr val="tx1"/>
+                </a:solidFill>
+                <a:latin typeface="Verdana" pitchFamily="34" charset="0"/>
+                <a:ea typeface="HY견고딕" pitchFamily="18" charset="-127"/>
+              </a:defRPr>
+            </a:lvl7pPr>
+            <a:lvl8pPr marL="3429000" indent="-228600" algn="l" rtl="0" eaLnBrk="1" fontAlgn="base" latinLnBrk="1" hangingPunct="1">
+              <a:spcBef>
+                <a:spcPct val="20000"/>
+              </a:spcBef>
+              <a:spcAft>
+                <a:spcPct val="0"/>
+              </a:spcAft>
+              <a:buClr>
+                <a:schemeClr val="accent1"/>
+              </a:buClr>
+              <a:buSzPct val="50000"/>
+              <a:buFont typeface="Wingdings" pitchFamily="2" charset="2"/>
+              <a:buChar char="n"/>
+              <a:defRPr kumimoji="1" sz="1600">
+                <a:solidFill>
+                  <a:schemeClr val="tx1"/>
+                </a:solidFill>
+                <a:latin typeface="Verdana" pitchFamily="34" charset="0"/>
+                <a:ea typeface="HY견고딕" pitchFamily="18" charset="-127"/>
+              </a:defRPr>
+            </a:lvl8pPr>
+            <a:lvl9pPr marL="3886200" indent="-228600" algn="l" rtl="0" eaLnBrk="1" fontAlgn="base" latinLnBrk="1" hangingPunct="1">
+              <a:spcBef>
+                <a:spcPct val="20000"/>
+              </a:spcBef>
+              <a:spcAft>
+                <a:spcPct val="0"/>
+              </a:spcAft>
+              <a:buClr>
+                <a:schemeClr val="accent1"/>
+              </a:buClr>
+              <a:buSzPct val="50000"/>
+              <a:buFont typeface="Wingdings" pitchFamily="2" charset="2"/>
+              <a:buChar char="n"/>
+              <a:defRPr kumimoji="1" sz="1600">
+                <a:solidFill>
+                  <a:schemeClr val="tx1"/>
+                </a:solidFill>
+                <a:latin typeface="Verdana" pitchFamily="34" charset="0"/>
+                <a:ea typeface="HY견고딕" pitchFamily="18" charset="-127"/>
+              </a:defRPr>
+            </a:lvl9pPr>
+          </a:lstStyle>
+          <a:p>
+            <a:r>
+              <a:rPr lang="en-US" sz="2000" kern="0"/>
+              <a:t>DenseNet đ</a:t>
+            </a:r>
+            <a:r>
+              <a:rPr lang="vi-VN" sz="2000" kern="0"/>
+              <a:t>ư</a:t>
+            </a:r>
+            <a:r>
+              <a:rPr lang="en-US" sz="2000" kern="0"/>
+              <a:t>ợc phát triển năm 2016 bởi Đại học Cornwell, Đại học Tsinghua và Facebook AI Research (FAIR)</a:t>
+            </a:r>
+          </a:p>
+          <a:p>
+            <a:pPr marL="0" indent="0">
+              <a:buNone/>
+            </a:pPr>
+            <a:endParaRPr lang="en-US" sz="2000" kern="0"/>
+          </a:p>
+        </p:txBody>
+      </p:sp>
+      <p:pic>
+        <p:nvPicPr>
+          <p:cNvPr id="1028" name="Picture 4">
+            <a:extLst>
+              <a:ext uri="{FF2B5EF4-FFF2-40B4-BE49-F238E27FC236}">
+                <a16:creationId xmlns:a16="http://schemas.microsoft.com/office/drawing/2014/main" id="{C65AB485-A046-44C7-B5BD-AEA30C8338F0}"/>
+              </a:ext>
+            </a:extLst>
+          </p:cNvPr>
+          <p:cNvPicPr>
+            <a:picLocks noChangeAspect="1" noChangeArrowheads="1" noCrop="1"/>
+          </p:cNvPicPr>
+          <p:nvPr/>
+        </p:nvPicPr>
+        <p:blipFill>
+          <a:blip r:embed="rId5">
+            <a:extLst>
+              <a:ext uri="{28A0092B-C50C-407E-A947-70E740481C1C}">
+                <a14:useLocalDpi xmlns:a14="http://schemas.microsoft.com/office/drawing/2010/main" val="0"/>
+              </a:ext>
+            </a:extLst>
+          </a:blip>
+          <a:srcRect/>
+          <a:stretch>
+            <a:fillRect/>
+          </a:stretch>
+        </p:blipFill>
+        <p:spPr bwMode="auto">
+          <a:xfrm>
+            <a:off x="4582618" y="4465977"/>
+            <a:ext cx="4310558" cy="1012982"/>
+          </a:xfrm>
+          <a:prstGeom prst="rect">
+            <a:avLst/>
+          </a:prstGeom>
+          <a:noFill/>
+          <a:extLst>
+            <a:ext uri="{909E8E84-426E-40DD-AFC4-6F175D3DCCD1}">
+              <a14:hiddenFill xmlns:a14="http://schemas.microsoft.com/office/drawing/2010/main">
+                <a:solidFill>
+                  <a:srgbClr val="FFFFFF"/>
+                </a:solidFill>
+              </a14:hiddenFill>
+            </a:ext>
+          </a:extLst>
+        </p:spPr>
+      </p:pic>
+      <p:sp>
+        <p:nvSpPr>
+          <p:cNvPr id="4" name="Rectangle 3">
+            <a:extLst>
+              <a:ext uri="{FF2B5EF4-FFF2-40B4-BE49-F238E27FC236}">
+                <a16:creationId xmlns:a16="http://schemas.microsoft.com/office/drawing/2014/main" id="{7F64C346-195D-47C8-8721-8DECD4343670}"/>
+              </a:ext>
+            </a:extLst>
+          </p:cNvPr>
+          <p:cNvSpPr/>
+          <p:nvPr/>
+        </p:nvSpPr>
+        <p:spPr>
+          <a:xfrm>
+            <a:off x="847344" y="6495389"/>
+            <a:ext cx="7687052" cy="369332"/>
+          </a:xfrm>
+          <a:prstGeom prst="rect">
+            <a:avLst/>
+          </a:prstGeom>
+        </p:spPr>
+        <p:txBody>
+          <a:bodyPr wrap="square">
+            <a:spAutoFit/>
+          </a:bodyPr>
+          <a:lstStyle/>
+          <a:p>
+            <a:r>
+              <a:rPr lang="en-US">
+                <a:hlinkClick r:id="rId6"/>
+              </a:rPr>
+              <a:t>https://towardsdatascience.com/review-densenet-image-classification-b6631a8ef803</a:t>
+            </a:r>
+            <a:endParaRPr lang="en-US"/>
+          </a:p>
+        </p:txBody>
+      </p:sp>
+      <p:sp>
+        <p:nvSpPr>
+          <p:cNvPr id="11" name="Content Placeholder 2">
+            <a:extLst>
+              <a:ext uri="{FF2B5EF4-FFF2-40B4-BE49-F238E27FC236}">
+                <a16:creationId xmlns:a16="http://schemas.microsoft.com/office/drawing/2014/main" id="{BCFCBC5F-081E-4685-A8C9-1388C1DE3AB7}"/>
+              </a:ext>
+            </a:extLst>
+          </p:cNvPr>
+          <p:cNvSpPr txBox="1">
+            <a:spLocks/>
+          </p:cNvSpPr>
+          <p:nvPr/>
+        </p:nvSpPr>
+        <p:spPr bwMode="auto">
+          <a:xfrm>
+            <a:off x="408332" y="2008884"/>
+            <a:ext cx="4021056" cy="1690662"/>
+          </a:xfrm>
+          <a:prstGeom prst="rect">
+            <a:avLst/>
+          </a:prstGeom>
+          <a:noFill/>
+          <a:ln w="9525">
+            <a:noFill/>
+            <a:miter lim="800000"/>
+            <a:headEnd/>
+            <a:tailEnd/>
+          </a:ln>
+        </p:spPr>
+        <p:txBody>
+          <a:bodyPr vert="horz" wrap="square" lIns="91440" tIns="45720" rIns="91440" bIns="45720" numCol="1" anchor="t" anchorCtr="0" compatLnSpc="1">
+            <a:prstTxWarp prst="textNoShape">
+              <a:avLst/>
+            </a:prstTxWarp>
+          </a:bodyPr>
+          <a:lstStyle>
+            <a:lvl1pPr marL="342900" indent="-342900" algn="l" rtl="0" eaLnBrk="1" fontAlgn="base" latinLnBrk="1" hangingPunct="1">
+              <a:spcBef>
+                <a:spcPct val="0"/>
+              </a:spcBef>
+              <a:spcAft>
+                <a:spcPct val="0"/>
+              </a:spcAft>
+              <a:buClr>
+                <a:schemeClr val="folHlink"/>
+              </a:buClr>
+              <a:buSzPct val="90000"/>
+              <a:buFont typeface="Wingdings" pitchFamily="2" charset="2"/>
+              <a:buBlip>
+                <a:blip r:embed="rId2"/>
+              </a:buBlip>
+              <a:defRPr kumimoji="1" sz="2200">
+                <a:solidFill>
+                  <a:schemeClr val="tx1"/>
+                </a:solidFill>
+                <a:latin typeface="+mn-lt"/>
+                <a:ea typeface="+mn-ea"/>
+                <a:cs typeface="+mn-cs"/>
+              </a:defRPr>
+            </a:lvl1pPr>
+            <a:lvl2pPr marL="742950" indent="-285750" algn="l" rtl="0" eaLnBrk="1" fontAlgn="base" latinLnBrk="1" hangingPunct="1">
+              <a:spcBef>
+                <a:spcPct val="0"/>
+              </a:spcBef>
+              <a:spcAft>
+                <a:spcPct val="0"/>
+              </a:spcAft>
+              <a:buClr>
+                <a:schemeClr val="hlink"/>
+              </a:buClr>
+              <a:buSzPct val="90000"/>
+              <a:buFont typeface="Wingdings" pitchFamily="2" charset="2"/>
+              <a:buBlip>
+                <a:blip r:embed="rId3"/>
+              </a:buBlip>
+              <a:defRPr kumimoji="1" sz="2000">
+                <a:solidFill>
+                  <a:schemeClr val="tx1"/>
+                </a:solidFill>
+                <a:latin typeface="+mn-lt"/>
+                <a:ea typeface="+mn-ea"/>
+              </a:defRPr>
+            </a:lvl2pPr>
+            <a:lvl3pPr marL="1143000" indent="-228600" algn="l" rtl="0" eaLnBrk="1" fontAlgn="base" latinLnBrk="1" hangingPunct="1">
+              <a:spcBef>
+                <a:spcPct val="0"/>
+              </a:spcBef>
+              <a:spcAft>
+                <a:spcPct val="0"/>
+              </a:spcAft>
+              <a:buClr>
+                <a:schemeClr val="accent2"/>
+              </a:buClr>
+              <a:buSzPct val="80000"/>
+              <a:buFont typeface="Wingdings" pitchFamily="2" charset="2"/>
+              <a:buBlip>
+                <a:blip r:embed="rId4"/>
+              </a:buBlip>
+              <a:defRPr kumimoji="1">
+                <a:solidFill>
+                  <a:schemeClr val="tx1"/>
+                </a:solidFill>
+                <a:latin typeface="+mn-lt"/>
+                <a:ea typeface="+mn-ea"/>
+              </a:defRPr>
+            </a:lvl3pPr>
+            <a:lvl4pPr marL="1600200" indent="-228600" algn="l" rtl="0" eaLnBrk="1" fontAlgn="base" latinLnBrk="1" hangingPunct="1">
+              <a:spcBef>
+                <a:spcPct val="20000"/>
+              </a:spcBef>
+              <a:spcAft>
+                <a:spcPct val="0"/>
+              </a:spcAft>
+              <a:buClr>
+                <a:schemeClr val="tx2"/>
+              </a:buClr>
+              <a:buSzPct val="55000"/>
+              <a:buFont typeface="Wingdings" pitchFamily="2" charset="2"/>
+              <a:buChar char="n"/>
+              <a:defRPr kumimoji="1" sz="1600">
+                <a:solidFill>
+                  <a:schemeClr val="tx1"/>
+                </a:solidFill>
+                <a:latin typeface="+mn-lt"/>
+                <a:ea typeface="HY견고딕" pitchFamily="18" charset="-127"/>
+              </a:defRPr>
+            </a:lvl4pPr>
+            <a:lvl5pPr marL="2057400" indent="-228600" algn="l" rtl="0" eaLnBrk="1" fontAlgn="base" latinLnBrk="1" hangingPunct="1">
+              <a:spcBef>
+                <a:spcPct val="20000"/>
+              </a:spcBef>
+              <a:spcAft>
+                <a:spcPct val="0"/>
+              </a:spcAft>
+              <a:buClr>
+                <a:schemeClr val="accent1"/>
+              </a:buClr>
+              <a:buSzPct val="50000"/>
+              <a:buFont typeface="Wingdings" pitchFamily="2" charset="2"/>
+              <a:buChar char="n"/>
+              <a:defRPr kumimoji="1" sz="1600">
+                <a:solidFill>
+                  <a:schemeClr val="tx1"/>
+                </a:solidFill>
+                <a:latin typeface="+mn-lt"/>
+                <a:ea typeface="HY견고딕" pitchFamily="18" charset="-127"/>
+              </a:defRPr>
+            </a:lvl5pPr>
+            <a:lvl6pPr marL="2514600" indent="-228600" algn="l" rtl="0" eaLnBrk="1" fontAlgn="base" latinLnBrk="1" hangingPunct="1">
+              <a:spcBef>
+                <a:spcPct val="20000"/>
+              </a:spcBef>
+              <a:spcAft>
+                <a:spcPct val="0"/>
+              </a:spcAft>
+              <a:buClr>
+                <a:schemeClr val="accent1"/>
+              </a:buClr>
+              <a:buSzPct val="50000"/>
+              <a:buFont typeface="Wingdings" pitchFamily="2" charset="2"/>
+              <a:buChar char="n"/>
+              <a:defRPr kumimoji="1" sz="1600">
+                <a:solidFill>
+                  <a:schemeClr val="tx1"/>
+                </a:solidFill>
+                <a:latin typeface="Verdana" pitchFamily="34" charset="0"/>
+                <a:ea typeface="HY견고딕" pitchFamily="18" charset="-127"/>
+              </a:defRPr>
+            </a:lvl6pPr>
+            <a:lvl7pPr marL="2971800" indent="-228600" algn="l" rtl="0" eaLnBrk="1" fontAlgn="base" latinLnBrk="1" hangingPunct="1">
+              <a:spcBef>
+                <a:spcPct val="20000"/>
+              </a:spcBef>
+              <a:spcAft>
+                <a:spcPct val="0"/>
+              </a:spcAft>
+              <a:buClr>
+                <a:schemeClr val="accent1"/>
+              </a:buClr>
+              <a:buSzPct val="50000"/>
+              <a:buFont typeface="Wingdings" pitchFamily="2" charset="2"/>
+              <a:buChar char="n"/>
+              <a:defRPr kumimoji="1" sz="1600">
+                <a:solidFill>
+                  <a:schemeClr val="tx1"/>
+                </a:solidFill>
+                <a:latin typeface="Verdana" pitchFamily="34" charset="0"/>
+                <a:ea typeface="HY견고딕" pitchFamily="18" charset="-127"/>
+              </a:defRPr>
+            </a:lvl7pPr>
+            <a:lvl8pPr marL="3429000" indent="-228600" algn="l" rtl="0" eaLnBrk="1" fontAlgn="base" latinLnBrk="1" hangingPunct="1">
+              <a:spcBef>
+                <a:spcPct val="20000"/>
+              </a:spcBef>
+              <a:spcAft>
+                <a:spcPct val="0"/>
+              </a:spcAft>
+              <a:buClr>
+                <a:schemeClr val="accent1"/>
+              </a:buClr>
+              <a:buSzPct val="50000"/>
+              <a:buFont typeface="Wingdings" pitchFamily="2" charset="2"/>
+              <a:buChar char="n"/>
+              <a:defRPr kumimoji="1" sz="1600">
+                <a:solidFill>
+                  <a:schemeClr val="tx1"/>
+                </a:solidFill>
+                <a:latin typeface="Verdana" pitchFamily="34" charset="0"/>
+                <a:ea typeface="HY견고딕" pitchFamily="18" charset="-127"/>
+              </a:defRPr>
+            </a:lvl8pPr>
+            <a:lvl9pPr marL="3886200" indent="-228600" algn="l" rtl="0" eaLnBrk="1" fontAlgn="base" latinLnBrk="1" hangingPunct="1">
+              <a:spcBef>
+                <a:spcPct val="20000"/>
+              </a:spcBef>
+              <a:spcAft>
+                <a:spcPct val="0"/>
+              </a:spcAft>
+              <a:buClr>
+                <a:schemeClr val="accent1"/>
+              </a:buClr>
+              <a:buSzPct val="50000"/>
+              <a:buFont typeface="Wingdings" pitchFamily="2" charset="2"/>
+              <a:buChar char="n"/>
+              <a:defRPr kumimoji="1" sz="1600">
+                <a:solidFill>
+                  <a:schemeClr val="tx1"/>
+                </a:solidFill>
+                <a:latin typeface="Verdana" pitchFamily="34" charset="0"/>
+                <a:ea typeface="HY견고딕" pitchFamily="18" charset="-127"/>
+              </a:defRPr>
+            </a:lvl9pPr>
+          </a:lstStyle>
+          <a:p>
+            <a:r>
+              <a:rPr lang="en-US" sz="2000" kern="0"/>
+              <a:t>Dense block</a:t>
+            </a:r>
+          </a:p>
+          <a:p>
+            <a:pPr lvl="1"/>
+            <a:endParaRPr lang="en-US" sz="1400" kern="0"/>
+          </a:p>
+          <a:p>
+            <a:pPr lvl="1"/>
+            <a:endParaRPr lang="en-US" sz="1400" kern="0"/>
+          </a:p>
+          <a:p>
+            <a:pPr lvl="1"/>
+            <a:endParaRPr lang="en-US" sz="1400" kern="0"/>
+          </a:p>
+          <a:p>
+            <a:pPr lvl="1"/>
+            <a:endParaRPr lang="en-US" sz="1400" kern="0"/>
+          </a:p>
+          <a:p>
+            <a:pPr lvl="1"/>
+            <a:endParaRPr lang="en-US" sz="1400" kern="0"/>
+          </a:p>
+          <a:p>
+            <a:pPr lvl="1"/>
+            <a:endParaRPr lang="en-US" sz="1400" kern="0"/>
+          </a:p>
+          <a:p>
+            <a:pPr lvl="1"/>
+            <a:endParaRPr lang="en-US" sz="1400" kern="0"/>
+          </a:p>
+          <a:p>
+            <a:pPr lvl="1"/>
+            <a:endParaRPr lang="en-US" sz="1400" kern="0"/>
+          </a:p>
+          <a:p>
+            <a:pPr lvl="1"/>
+            <a:endParaRPr lang="en-US" sz="1400" kern="0"/>
+          </a:p>
+          <a:p>
+            <a:pPr lvl="1"/>
+            <a:endParaRPr lang="en-US" sz="1400" kern="0"/>
+          </a:p>
+          <a:p>
+            <a:pPr lvl="1"/>
+            <a:endParaRPr lang="en-US" sz="1400" kern="0"/>
+          </a:p>
+          <a:p>
+            <a:pPr lvl="1"/>
+            <a:r>
+              <a:rPr lang="en-US" sz="1400" kern="0"/>
+              <a:t>Thay vì cộng kết quả với layer tr</a:t>
+            </a:r>
+            <a:r>
+              <a:rPr lang="vi-VN" sz="1400" kern="0"/>
+              <a:t>ư</a:t>
+            </a:r>
+            <a:r>
+              <a:rPr lang="en-US" sz="1400" kern="0"/>
+              <a:t>ớc đó nh</a:t>
+            </a:r>
+            <a:r>
+              <a:rPr lang="vi-VN" sz="1400" kern="0"/>
+              <a:t>ư</a:t>
+            </a:r>
+            <a:r>
+              <a:rPr lang="en-US" sz="1400" kern="0"/>
+              <a:t> </a:t>
+            </a:r>
+          </a:p>
+          <a:p>
+            <a:pPr marL="457200" lvl="1" indent="0">
+              <a:buNone/>
+            </a:pPr>
+            <a:r>
+              <a:rPr lang="en-US" sz="1400" kern="0"/>
+              <a:t>Residual block thì Dense block concate với toàn bộ layer tr</a:t>
+            </a:r>
+            <a:r>
+              <a:rPr lang="vi-VN" sz="1400" kern="0"/>
+              <a:t>ư</a:t>
+            </a:r>
+            <a:r>
+              <a:rPr lang="en-US" sz="1400" kern="0"/>
+              <a:t>ớc đó.</a:t>
+            </a:r>
+          </a:p>
+          <a:p>
+            <a:pPr marL="457200" lvl="1" indent="0">
+              <a:buNone/>
+            </a:pPr>
+            <a:endParaRPr lang="en-US" sz="1400" kern="0"/>
+          </a:p>
+          <a:p>
+            <a:pPr marL="457200" lvl="1" indent="0">
+              <a:buNone/>
+            </a:pPr>
+            <a:r>
+              <a:rPr lang="ko-KR" altLang="en-US" sz="1400" kern="0"/>
+              <a:t>→ </a:t>
+            </a:r>
+            <a:r>
+              <a:rPr lang="en-US" altLang="ko-KR" sz="1400" kern="0"/>
+              <a:t>Giữ đ</a:t>
+            </a:r>
+            <a:r>
+              <a:rPr lang="vi-VN" altLang="ko-KR" sz="1400" kern="0"/>
+              <a:t>ư</a:t>
+            </a:r>
+            <a:r>
+              <a:rPr lang="en-US" altLang="ko-KR" sz="1400" kern="0"/>
+              <a:t>ợc nhiều feature tr</a:t>
+            </a:r>
+            <a:r>
+              <a:rPr lang="vi-VN" altLang="ko-KR" sz="1400" kern="0"/>
+              <a:t>ư</a:t>
+            </a:r>
+            <a:r>
+              <a:rPr lang="en-US" altLang="ko-KR" sz="1400" kern="0"/>
+              <a:t>ớc đó h</a:t>
+            </a:r>
+            <a:r>
+              <a:rPr lang="vi-VN" altLang="ko-KR" sz="1400" kern="0"/>
+              <a:t>ơ</a:t>
+            </a:r>
+            <a:r>
+              <a:rPr lang="en-US" altLang="ko-KR" sz="1400" kern="0"/>
+              <a:t>n so với ResNet</a:t>
+            </a:r>
+          </a:p>
+          <a:p>
+            <a:pPr marL="457200" lvl="1" indent="0">
+              <a:buNone/>
+            </a:pPr>
+            <a:endParaRPr lang="en-US" sz="1400" kern="0"/>
+          </a:p>
+        </p:txBody>
+      </p:sp>
+      <p:pic>
+        <p:nvPicPr>
+          <p:cNvPr id="7" name="Picture 6">
+            <a:extLst>
+              <a:ext uri="{FF2B5EF4-FFF2-40B4-BE49-F238E27FC236}">
+                <a16:creationId xmlns:a16="http://schemas.microsoft.com/office/drawing/2014/main" id="{D74F9064-E718-443E-BC82-79709A1BBB40}"/>
+              </a:ext>
+            </a:extLst>
+          </p:cNvPr>
+          <p:cNvPicPr>
+            <a:picLocks noChangeAspect="1"/>
+          </p:cNvPicPr>
+          <p:nvPr/>
+        </p:nvPicPr>
+        <p:blipFill>
+          <a:blip r:embed="rId7"/>
+          <a:stretch>
+            <a:fillRect/>
+          </a:stretch>
+        </p:blipFill>
+        <p:spPr>
+          <a:xfrm>
+            <a:off x="847344" y="2773974"/>
+            <a:ext cx="3486579" cy="1003332"/>
+          </a:xfrm>
+          <a:prstGeom prst="rect">
+            <a:avLst/>
+          </a:prstGeom>
+        </p:spPr>
+      </p:pic>
+      <p:pic>
+        <p:nvPicPr>
+          <p:cNvPr id="8" name="Picture 7">
+            <a:extLst>
+              <a:ext uri="{FF2B5EF4-FFF2-40B4-BE49-F238E27FC236}">
+                <a16:creationId xmlns:a16="http://schemas.microsoft.com/office/drawing/2014/main" id="{14AEE6F6-9544-4184-AFCB-41AA5827C5C0}"/>
+              </a:ext>
+            </a:extLst>
+          </p:cNvPr>
+          <p:cNvPicPr>
+            <a:picLocks noChangeAspect="1"/>
+          </p:cNvPicPr>
+          <p:nvPr/>
+        </p:nvPicPr>
+        <p:blipFill>
+          <a:blip r:embed="rId8"/>
+          <a:stretch>
+            <a:fillRect/>
+          </a:stretch>
+        </p:blipFill>
+        <p:spPr>
+          <a:xfrm>
+            <a:off x="4781468" y="2163765"/>
+            <a:ext cx="4014152" cy="1615023"/>
+          </a:xfrm>
+          <a:prstGeom prst="rect">
+            <a:avLst/>
+          </a:prstGeom>
+        </p:spPr>
+      </p:pic>
+      <p:sp>
+        <p:nvSpPr>
+          <p:cNvPr id="9" name="TextBox 8">
+            <a:extLst>
+              <a:ext uri="{FF2B5EF4-FFF2-40B4-BE49-F238E27FC236}">
+                <a16:creationId xmlns:a16="http://schemas.microsoft.com/office/drawing/2014/main" id="{ED4D38B5-B808-4DE5-97F8-46176EDE38E3}"/>
+              </a:ext>
+            </a:extLst>
+          </p:cNvPr>
+          <p:cNvSpPr txBox="1"/>
+          <p:nvPr/>
+        </p:nvSpPr>
+        <p:spPr>
+          <a:xfrm>
+            <a:off x="2182508" y="3727089"/>
+            <a:ext cx="816249" cy="369332"/>
+          </a:xfrm>
+          <a:prstGeom prst="rect">
+            <a:avLst/>
+          </a:prstGeom>
+          <a:noFill/>
+        </p:spPr>
+        <p:txBody>
+          <a:bodyPr wrap="none" rtlCol="0">
+            <a:spAutoFit/>
+          </a:bodyPr>
+          <a:lstStyle/>
+          <a:p>
+            <a:r>
+              <a:rPr lang="en-US"/>
+              <a:t>ResNet</a:t>
+            </a:r>
+          </a:p>
+        </p:txBody>
+      </p:sp>
+      <p:sp>
+        <p:nvSpPr>
+          <p:cNvPr id="15" name="TextBox 14">
+            <a:extLst>
+              <a:ext uri="{FF2B5EF4-FFF2-40B4-BE49-F238E27FC236}">
+                <a16:creationId xmlns:a16="http://schemas.microsoft.com/office/drawing/2014/main" id="{5501D181-5D2D-4EA7-9600-27AA90DBB1E7}"/>
+              </a:ext>
+            </a:extLst>
+          </p:cNvPr>
+          <p:cNvSpPr txBox="1"/>
+          <p:nvPr/>
+        </p:nvSpPr>
+        <p:spPr>
+          <a:xfrm>
+            <a:off x="6347381" y="3755696"/>
+            <a:ext cx="1228221" cy="369332"/>
+          </a:xfrm>
+          <a:prstGeom prst="rect">
+            <a:avLst/>
+          </a:prstGeom>
+          <a:noFill/>
+        </p:spPr>
+        <p:txBody>
+          <a:bodyPr wrap="none" rtlCol="0">
+            <a:spAutoFit/>
+          </a:bodyPr>
+          <a:lstStyle/>
+          <a:p>
+            <a:r>
+              <a:rPr lang="en-US"/>
+              <a:t>Dense block</a:t>
+            </a:r>
+          </a:p>
+        </p:txBody>
+      </p:sp>
+    </p:spTree>
+    <p:extLst>
+      <p:ext uri="{BB962C8B-B14F-4D97-AF65-F5344CB8AC3E}">
+        <p14:creationId xmlns:p14="http://schemas.microsoft.com/office/powerpoint/2010/main" val="2978376046"/>
       </p:ext>
     </p:extLst>
   </p:cSld>
